--- a/eostalk/EOS Talk Szczecin.pptx
+++ b/eostalk/EOS Talk Szczecin.pptx
@@ -11,9 +11,9 @@
     <p:sldId id="256" r:id="rId2"/>
     <p:sldId id="260" r:id="rId3"/>
     <p:sldId id="282" r:id="rId4"/>
-    <p:sldId id="391" r:id="rId5"/>
-    <p:sldId id="392" r:id="rId6"/>
-    <p:sldId id="279" r:id="rId7"/>
+    <p:sldId id="279" r:id="rId5"/>
+    <p:sldId id="391" r:id="rId6"/>
+    <p:sldId id="392" r:id="rId7"/>
     <p:sldId id="375" r:id="rId8"/>
     <p:sldId id="363" r:id="rId9"/>
     <p:sldId id="398" r:id="rId10"/>
@@ -226,6 +226,11 @@
               </a:ln>
               <a:effectLst/>
             </c:spPr>
+            <c:extLst>
+              <c:ext xmlns:c16="http://schemas.microsoft.com/office/drawing/2014/chart" uri="{C3380CC4-5D6E-409C-BE32-E72D297353CC}">
+                <c16:uniqueId val="{00000003-4CCD-4C6B-858C-C56C18029C77}"/>
+              </c:ext>
+            </c:extLst>
           </c:dPt>
           <c:dPt>
             <c:idx val="4"/>
@@ -284,6 +289,11 @@
               </a:ln>
               <a:effectLst/>
             </c:spPr>
+            <c:extLst>
+              <c:ext xmlns:c16="http://schemas.microsoft.com/office/drawing/2014/chart" uri="{C3380CC4-5D6E-409C-BE32-E72D297353CC}">
+                <c16:uniqueId val="{00000009-4CCD-4C6B-858C-C56C18029C77}"/>
+              </c:ext>
+            </c:extLst>
           </c:dPt>
           <c:dLbls>
             <c:spPr>
@@ -10872,7 +10882,7 @@
           <a:p>
             <a:fld id="{6D9EE66E-0075-4EC7-AFEF-A844E5107398}" type="datetimeFigureOut">
               <a:rPr lang="en-US" smtClean="0"/>
-              <a:t>23-Mar-18</a:t>
+              <a:t>3/24/2018</a:t>
             </a:fld>
             <a:endParaRPr lang="en-US" dirty="0"/>
           </a:p>
@@ -11380,7 +11390,7 @@
           <a:p>
             <a:fld id="{0028CEC6-6647-4E08-96EC-6F66E0D22DB5}" type="slidenum">
               <a:rPr lang="en-US" smtClean="0"/>
-              <a:t>6</a:t>
+              <a:t>4</a:t>
             </a:fld>
             <a:endParaRPr lang="en-US" dirty="0"/>
           </a:p>
@@ -11887,7 +11897,7 @@
             </a:ln>
             <a:extLst>
               <a:ext uri="{91240B29-F687-4f45-9708-019B960494DF}">
-                <a14:hiddenLine xmlns="" xmlns:a14="http://schemas.microsoft.com/office/drawing/2010/main" w="9525">
+                <a14:hiddenLine xmlns:a14="http://schemas.microsoft.com/office/drawing/2010/main" xmlns="" w="9525">
                   <a:solidFill>
                     <a:srgbClr val="000000"/>
                   </a:solidFill>
@@ -11977,7 +11987,7 @@
             </a:ln>
             <a:extLst>
               <a:ext uri="{91240B29-F687-4f45-9708-019B960494DF}">
-                <a14:hiddenLine xmlns="" xmlns:a14="http://schemas.microsoft.com/office/drawing/2010/main" w="9525">
+                <a14:hiddenLine xmlns:a14="http://schemas.microsoft.com/office/drawing/2010/main" xmlns="" w="9525">
                   <a:solidFill>
                     <a:srgbClr val="000000"/>
                   </a:solidFill>
@@ -12067,7 +12077,7 @@
             </a:ln>
             <a:extLst>
               <a:ext uri="{91240B29-F687-4f45-9708-019B960494DF}">
-                <a14:hiddenLine xmlns="" xmlns:a14="http://schemas.microsoft.com/office/drawing/2010/main" w="9525">
+                <a14:hiddenLine xmlns:a14="http://schemas.microsoft.com/office/drawing/2010/main" xmlns="" w="9525">
                   <a:solidFill>
                     <a:srgbClr val="000000"/>
                   </a:solidFill>
@@ -12101,7 +12111,7 @@
             </a:ln>
             <a:extLst>
               <a:ext uri="{91240B29-F687-4f45-9708-019B960494DF}">
-                <a14:hiddenLine xmlns="" xmlns:a14="http://schemas.microsoft.com/office/drawing/2010/main" w="9525">
+                <a14:hiddenLine xmlns:a14="http://schemas.microsoft.com/office/drawing/2010/main" xmlns="" w="9525">
                   <a:solidFill>
                     <a:srgbClr val="000000"/>
                   </a:solidFill>
@@ -12191,7 +12201,7 @@
             </a:ln>
             <a:extLst>
               <a:ext uri="{91240B29-F687-4f45-9708-019B960494DF}">
-                <a14:hiddenLine xmlns="" xmlns:a14="http://schemas.microsoft.com/office/drawing/2010/main" w="9525">
+                <a14:hiddenLine xmlns:a14="http://schemas.microsoft.com/office/drawing/2010/main" xmlns="" w="9525">
                   <a:solidFill>
                     <a:srgbClr val="000000"/>
                   </a:solidFill>
@@ -12253,7 +12263,7 @@
             </a:ln>
             <a:extLst>
               <a:ext uri="{91240B29-F687-4f45-9708-019B960494DF}">
-                <a14:hiddenLine xmlns="" xmlns:a14="http://schemas.microsoft.com/office/drawing/2010/main" w="9525">
+                <a14:hiddenLine xmlns:a14="http://schemas.microsoft.com/office/drawing/2010/main" xmlns="" w="9525">
                   <a:solidFill>
                     <a:srgbClr val="000000"/>
                   </a:solidFill>
@@ -12315,7 +12325,7 @@
             </a:ln>
             <a:extLst>
               <a:ext uri="{91240B29-F687-4f45-9708-019B960494DF}">
-                <a14:hiddenLine xmlns="" xmlns:a14="http://schemas.microsoft.com/office/drawing/2010/main" w="9525">
+                <a14:hiddenLine xmlns:a14="http://schemas.microsoft.com/office/drawing/2010/main" xmlns="" w="9525">
                   <a:solidFill>
                     <a:srgbClr val="000000"/>
                   </a:solidFill>
@@ -12405,7 +12415,7 @@
             </a:ln>
             <a:extLst>
               <a:ext uri="{91240B29-F687-4f45-9708-019B960494DF}">
-                <a14:hiddenLine xmlns="" xmlns:a14="http://schemas.microsoft.com/office/drawing/2010/main" w="9525">
+                <a14:hiddenLine xmlns:a14="http://schemas.microsoft.com/office/drawing/2010/main" xmlns="" w="9525">
                   <a:solidFill>
                     <a:srgbClr val="000000"/>
                   </a:solidFill>
@@ -12467,7 +12477,7 @@
             </a:ln>
             <a:extLst>
               <a:ext uri="{91240B29-F687-4f45-9708-019B960494DF}">
-                <a14:hiddenLine xmlns="" xmlns:a14="http://schemas.microsoft.com/office/drawing/2010/main" w="9525">
+                <a14:hiddenLine xmlns:a14="http://schemas.microsoft.com/office/drawing/2010/main" xmlns="" w="9525">
                   <a:solidFill>
                     <a:srgbClr val="000000"/>
                   </a:solidFill>
@@ -12529,7 +12539,7 @@
             </a:ln>
             <a:extLst>
               <a:ext uri="{91240B29-F687-4f45-9708-019B960494DF}">
-                <a14:hiddenLine xmlns="" xmlns:a14="http://schemas.microsoft.com/office/drawing/2010/main" w="9525">
+                <a14:hiddenLine xmlns:a14="http://schemas.microsoft.com/office/drawing/2010/main" xmlns="" w="9525">
                   <a:solidFill>
                     <a:srgbClr val="000000"/>
                   </a:solidFill>
@@ -12619,7 +12629,7 @@
             </a:ln>
             <a:extLst>
               <a:ext uri="{91240B29-F687-4f45-9708-019B960494DF}">
-                <a14:hiddenLine xmlns="" xmlns:a14="http://schemas.microsoft.com/office/drawing/2010/main" w="9525">
+                <a14:hiddenLine xmlns:a14="http://schemas.microsoft.com/office/drawing/2010/main" xmlns="" w="9525">
                   <a:solidFill>
                     <a:srgbClr val="000000"/>
                   </a:solidFill>
@@ -12709,7 +12719,7 @@
             </a:ln>
             <a:extLst>
               <a:ext uri="{91240B29-F687-4f45-9708-019B960494DF}">
-                <a14:hiddenLine xmlns="" xmlns:a14="http://schemas.microsoft.com/office/drawing/2010/main" w="9525">
+                <a14:hiddenLine xmlns:a14="http://schemas.microsoft.com/office/drawing/2010/main" xmlns="" w="9525">
                   <a:solidFill>
                     <a:srgbClr val="000000"/>
                   </a:solidFill>
@@ -12771,7 +12781,7 @@
             </a:ln>
             <a:extLst>
               <a:ext uri="{91240B29-F687-4f45-9708-019B960494DF}">
-                <a14:hiddenLine xmlns="" xmlns:a14="http://schemas.microsoft.com/office/drawing/2010/main" w="9525">
+                <a14:hiddenLine xmlns:a14="http://schemas.microsoft.com/office/drawing/2010/main" xmlns="" w="9525">
                   <a:solidFill>
                     <a:srgbClr val="000000"/>
                   </a:solidFill>
@@ -12881,7 +12891,7 @@
             </a:ln>
             <a:extLst>
               <a:ext uri="{91240B29-F687-4f45-9708-019B960494DF}">
-                <a14:hiddenLine xmlns="" xmlns:a14="http://schemas.microsoft.com/office/drawing/2010/main" w="9525">
+                <a14:hiddenLine xmlns:a14="http://schemas.microsoft.com/office/drawing/2010/main" xmlns="" w="9525">
                   <a:solidFill>
                     <a:srgbClr val="000000"/>
                   </a:solidFill>
@@ -12943,7 +12953,7 @@
             </a:ln>
             <a:extLst>
               <a:ext uri="{91240B29-F687-4f45-9708-019B960494DF}">
-                <a14:hiddenLine xmlns="" xmlns:a14="http://schemas.microsoft.com/office/drawing/2010/main" w="9525">
+                <a14:hiddenLine xmlns:a14="http://schemas.microsoft.com/office/drawing/2010/main" xmlns="" w="9525">
                   <a:solidFill>
                     <a:srgbClr val="000000"/>
                   </a:solidFill>
@@ -13033,7 +13043,7 @@
             </a:ln>
             <a:extLst>
               <a:ext uri="{91240B29-F687-4f45-9708-019B960494DF}">
-                <a14:hiddenLine xmlns="" xmlns:a14="http://schemas.microsoft.com/office/drawing/2010/main" w="9525">
+                <a14:hiddenLine xmlns:a14="http://schemas.microsoft.com/office/drawing/2010/main" xmlns="" w="9525">
                   <a:solidFill>
                     <a:srgbClr val="000000"/>
                   </a:solidFill>
@@ -13123,7 +13133,7 @@
             </a:ln>
             <a:extLst>
               <a:ext uri="{91240B29-F687-4f45-9708-019B960494DF}">
-                <a14:hiddenLine xmlns="" xmlns:a14="http://schemas.microsoft.com/office/drawing/2010/main" w="9525">
+                <a14:hiddenLine xmlns:a14="http://schemas.microsoft.com/office/drawing/2010/main" xmlns="" w="9525">
                   <a:solidFill>
                     <a:srgbClr val="000000"/>
                   </a:solidFill>
@@ -13185,7 +13195,7 @@
             </a:ln>
             <a:extLst>
               <a:ext uri="{91240B29-F687-4f45-9708-019B960494DF}">
-                <a14:hiddenLine xmlns="" xmlns:a14="http://schemas.microsoft.com/office/drawing/2010/main" w="9525">
+                <a14:hiddenLine xmlns:a14="http://schemas.microsoft.com/office/drawing/2010/main" xmlns="" w="9525">
                   <a:solidFill>
                     <a:srgbClr val="000000"/>
                   </a:solidFill>
@@ -13275,7 +13285,7 @@
             </a:ln>
             <a:extLst>
               <a:ext uri="{91240B29-F687-4f45-9708-019B960494DF}">
-                <a14:hiddenLine xmlns="" xmlns:a14="http://schemas.microsoft.com/office/drawing/2010/main" w="9525">
+                <a14:hiddenLine xmlns:a14="http://schemas.microsoft.com/office/drawing/2010/main" xmlns="" w="9525">
                   <a:solidFill>
                     <a:srgbClr val="000000"/>
                   </a:solidFill>
@@ -13365,7 +13375,7 @@
             </a:ln>
             <a:extLst>
               <a:ext uri="{91240B29-F687-4f45-9708-019B960494DF}">
-                <a14:hiddenLine xmlns="" xmlns:a14="http://schemas.microsoft.com/office/drawing/2010/main" w="9525">
+                <a14:hiddenLine xmlns:a14="http://schemas.microsoft.com/office/drawing/2010/main" xmlns="" w="9525">
                   <a:solidFill>
                     <a:srgbClr val="000000"/>
                   </a:solidFill>
@@ -13421,7 +13431,7 @@
             </a:ln>
             <a:extLst>
               <a:ext uri="{91240B29-F687-4f45-9708-019B960494DF}">
-                <a14:hiddenLine xmlns="" xmlns:a14="http://schemas.microsoft.com/office/drawing/2010/main" w="9525">
+                <a14:hiddenLine xmlns:a14="http://schemas.microsoft.com/office/drawing/2010/main" xmlns="" w="9525">
                   <a:solidFill>
                     <a:srgbClr val="000000"/>
                   </a:solidFill>
@@ -13511,7 +13521,7 @@
             </a:ln>
             <a:extLst>
               <a:ext uri="{91240B29-F687-4f45-9708-019B960494DF}">
-                <a14:hiddenLine xmlns="" xmlns:a14="http://schemas.microsoft.com/office/drawing/2010/main" w="9525">
+                <a14:hiddenLine xmlns:a14="http://schemas.microsoft.com/office/drawing/2010/main" xmlns="" w="9525">
                   <a:solidFill>
                     <a:srgbClr val="000000"/>
                   </a:solidFill>
@@ -13567,7 +13577,7 @@
             </a:ln>
             <a:extLst>
               <a:ext uri="{91240B29-F687-4f45-9708-019B960494DF}">
-                <a14:hiddenLine xmlns="" xmlns:a14="http://schemas.microsoft.com/office/drawing/2010/main" w="9525">
+                <a14:hiddenLine xmlns:a14="http://schemas.microsoft.com/office/drawing/2010/main" xmlns="" w="9525">
                   <a:solidFill>
                     <a:srgbClr val="000000"/>
                   </a:solidFill>
@@ -13657,7 +13667,7 @@
             </a:ln>
             <a:extLst>
               <a:ext uri="{91240B29-F687-4f45-9708-019B960494DF}">
-                <a14:hiddenLine xmlns="" xmlns:a14="http://schemas.microsoft.com/office/drawing/2010/main" w="9525">
+                <a14:hiddenLine xmlns:a14="http://schemas.microsoft.com/office/drawing/2010/main" xmlns="" w="9525">
                   <a:solidFill>
                     <a:srgbClr val="000000"/>
                   </a:solidFill>
@@ -13725,7 +13735,7 @@
             </a:ln>
             <a:extLst>
               <a:ext uri="{91240B29-F687-4f45-9708-019B960494DF}">
-                <a14:hiddenLine xmlns="" xmlns:a14="http://schemas.microsoft.com/office/drawing/2010/main" w="9525">
+                <a14:hiddenLine xmlns:a14="http://schemas.microsoft.com/office/drawing/2010/main" xmlns="" w="9525">
                   <a:solidFill>
                     <a:srgbClr val="000000"/>
                   </a:solidFill>
@@ -13815,7 +13825,7 @@
             </a:ln>
             <a:extLst>
               <a:ext uri="{91240B29-F687-4f45-9708-019B960494DF}">
-                <a14:hiddenLine xmlns="" xmlns:a14="http://schemas.microsoft.com/office/drawing/2010/main" w="9525">
+                <a14:hiddenLine xmlns:a14="http://schemas.microsoft.com/office/drawing/2010/main" xmlns="" w="9525">
                   <a:solidFill>
                     <a:srgbClr val="000000"/>
                   </a:solidFill>
@@ -13883,7 +13893,7 @@
             </a:ln>
             <a:extLst>
               <a:ext uri="{91240B29-F687-4f45-9708-019B960494DF}">
-                <a14:hiddenLine xmlns="" xmlns:a14="http://schemas.microsoft.com/office/drawing/2010/main" w="9525">
+                <a14:hiddenLine xmlns:a14="http://schemas.microsoft.com/office/drawing/2010/main" xmlns="" w="9525">
                   <a:solidFill>
                     <a:srgbClr val="000000"/>
                   </a:solidFill>
@@ -13973,7 +13983,7 @@
             </a:ln>
             <a:extLst>
               <a:ext uri="{91240B29-F687-4f45-9708-019B960494DF}">
-                <a14:hiddenLine xmlns="" xmlns:a14="http://schemas.microsoft.com/office/drawing/2010/main" w="9525">
+                <a14:hiddenLine xmlns:a14="http://schemas.microsoft.com/office/drawing/2010/main" xmlns="" w="9525">
                   <a:solidFill>
                     <a:srgbClr val="000000"/>
                   </a:solidFill>
@@ -14007,7 +14017,7 @@
             </a:ln>
             <a:extLst>
               <a:ext uri="{91240B29-F687-4f45-9708-019B960494DF}">
-                <a14:hiddenLine xmlns="" xmlns:a14="http://schemas.microsoft.com/office/drawing/2010/main" w="9525">
+                <a14:hiddenLine xmlns:a14="http://schemas.microsoft.com/office/drawing/2010/main" xmlns="" w="9525">
                   <a:solidFill>
                     <a:srgbClr val="000000"/>
                   </a:solidFill>
@@ -14097,7 +14107,7 @@
             </a:ln>
             <a:extLst>
               <a:ext uri="{91240B29-F687-4f45-9708-019B960494DF}">
-                <a14:hiddenLine xmlns="" xmlns:a14="http://schemas.microsoft.com/office/drawing/2010/main" w="9525">
+                <a14:hiddenLine xmlns:a14="http://schemas.microsoft.com/office/drawing/2010/main" xmlns="" w="9525">
                   <a:solidFill>
                     <a:srgbClr val="000000"/>
                   </a:solidFill>
@@ -14159,7 +14169,7 @@
             </a:ln>
             <a:extLst>
               <a:ext uri="{91240B29-F687-4f45-9708-019B960494DF}">
-                <a14:hiddenLine xmlns="" xmlns:a14="http://schemas.microsoft.com/office/drawing/2010/main" w="9525">
+                <a14:hiddenLine xmlns:a14="http://schemas.microsoft.com/office/drawing/2010/main" xmlns="" w="9525">
                   <a:solidFill>
                     <a:srgbClr val="000000"/>
                   </a:solidFill>
@@ -14221,7 +14231,7 @@
             </a:ln>
             <a:extLst>
               <a:ext uri="{91240B29-F687-4f45-9708-019B960494DF}">
-                <a14:hiddenLine xmlns="" xmlns:a14="http://schemas.microsoft.com/office/drawing/2010/main" w="9525">
+                <a14:hiddenLine xmlns:a14="http://schemas.microsoft.com/office/drawing/2010/main" xmlns="" w="9525">
                   <a:solidFill>
                     <a:srgbClr val="000000"/>
                   </a:solidFill>
@@ -14311,7 +14321,7 @@
             </a:ln>
             <a:extLst>
               <a:ext uri="{91240B29-F687-4f45-9708-019B960494DF}">
-                <a14:hiddenLine xmlns="" xmlns:a14="http://schemas.microsoft.com/office/drawing/2010/main" w="9525">
+                <a14:hiddenLine xmlns:a14="http://schemas.microsoft.com/office/drawing/2010/main" xmlns="" w="9525">
                   <a:solidFill>
                     <a:srgbClr val="000000"/>
                   </a:solidFill>
@@ -14379,7 +14389,7 @@
             </a:ln>
             <a:extLst>
               <a:ext uri="{91240B29-F687-4f45-9708-019B960494DF}">
-                <a14:hiddenLine xmlns="" xmlns:a14="http://schemas.microsoft.com/office/drawing/2010/main" w="9525">
+                <a14:hiddenLine xmlns:a14="http://schemas.microsoft.com/office/drawing/2010/main" xmlns="" w="9525">
                   <a:solidFill>
                     <a:srgbClr val="000000"/>
                   </a:solidFill>
@@ -14441,7 +14451,7 @@
             </a:ln>
             <a:extLst>
               <a:ext uri="{91240B29-F687-4f45-9708-019B960494DF}">
-                <a14:hiddenLine xmlns="" xmlns:a14="http://schemas.microsoft.com/office/drawing/2010/main" w="9525">
+                <a14:hiddenLine xmlns:a14="http://schemas.microsoft.com/office/drawing/2010/main" xmlns="" w="9525">
                   <a:solidFill>
                     <a:srgbClr val="000000"/>
                   </a:solidFill>
@@ -14531,7 +14541,7 @@
             </a:ln>
             <a:extLst>
               <a:ext uri="{91240B29-F687-4f45-9708-019B960494DF}">
-                <a14:hiddenLine xmlns="" xmlns:a14="http://schemas.microsoft.com/office/drawing/2010/main" w="9525">
+                <a14:hiddenLine xmlns:a14="http://schemas.microsoft.com/office/drawing/2010/main" xmlns="" w="9525">
                   <a:solidFill>
                     <a:srgbClr val="000000"/>
                   </a:solidFill>
@@ -14593,7 +14603,7 @@
             </a:ln>
             <a:extLst>
               <a:ext uri="{91240B29-F687-4f45-9708-019B960494DF}">
-                <a14:hiddenLine xmlns="" xmlns:a14="http://schemas.microsoft.com/office/drawing/2010/main" w="9525">
+                <a14:hiddenLine xmlns:a14="http://schemas.microsoft.com/office/drawing/2010/main" xmlns="" w="9525">
                   <a:solidFill>
                     <a:srgbClr val="000000"/>
                   </a:solidFill>
@@ -14683,7 +14693,7 @@
             </a:ln>
             <a:extLst>
               <a:ext uri="{91240B29-F687-4f45-9708-019B960494DF}">
-                <a14:hiddenLine xmlns="" xmlns:a14="http://schemas.microsoft.com/office/drawing/2010/main" w="9525">
+                <a14:hiddenLine xmlns:a14="http://schemas.microsoft.com/office/drawing/2010/main" xmlns="" w="9525">
                   <a:solidFill>
                     <a:srgbClr val="000000"/>
                   </a:solidFill>
@@ -14745,7 +14755,7 @@
             </a:ln>
             <a:extLst>
               <a:ext uri="{91240B29-F687-4f45-9708-019B960494DF}">
-                <a14:hiddenLine xmlns="" xmlns:a14="http://schemas.microsoft.com/office/drawing/2010/main" w="9525">
+                <a14:hiddenLine xmlns:a14="http://schemas.microsoft.com/office/drawing/2010/main" xmlns="" w="9525">
                   <a:solidFill>
                     <a:srgbClr val="000000"/>
                   </a:solidFill>
@@ -14835,7 +14845,7 @@
             </a:ln>
             <a:extLst>
               <a:ext uri="{91240B29-F687-4f45-9708-019B960494DF}">
-                <a14:hiddenLine xmlns="" xmlns:a14="http://schemas.microsoft.com/office/drawing/2010/main" w="9525">
+                <a14:hiddenLine xmlns:a14="http://schemas.microsoft.com/office/drawing/2010/main" xmlns="" w="9525">
                   <a:solidFill>
                     <a:srgbClr val="000000"/>
                   </a:solidFill>
@@ -14869,7 +14879,7 @@
             </a:ln>
             <a:extLst>
               <a:ext uri="{91240B29-F687-4f45-9708-019B960494DF}">
-                <a14:hiddenLine xmlns="" xmlns:a14="http://schemas.microsoft.com/office/drawing/2010/main" w="9525">
+                <a14:hiddenLine xmlns:a14="http://schemas.microsoft.com/office/drawing/2010/main" xmlns="" w="9525">
                   <a:solidFill>
                     <a:srgbClr val="000000"/>
                   </a:solidFill>
@@ -14934,7 +14944,7 @@
             </a:ln>
             <a:extLst>
               <a:ext uri="{91240B29-F687-4f45-9708-019B960494DF}">
-                <a14:hiddenLine xmlns="" xmlns:a14="http://schemas.microsoft.com/office/drawing/2010/main" w="9525">
+                <a14:hiddenLine xmlns:a14="http://schemas.microsoft.com/office/drawing/2010/main" xmlns="" w="9525">
                   <a:solidFill>
                     <a:srgbClr val="000000"/>
                   </a:solidFill>
@@ -15024,7 +15034,7 @@
             </a:ln>
             <a:extLst>
               <a:ext uri="{91240B29-F687-4f45-9708-019B960494DF}">
-                <a14:hiddenLine xmlns="" xmlns:a14="http://schemas.microsoft.com/office/drawing/2010/main" w="9525">
+                <a14:hiddenLine xmlns:a14="http://schemas.microsoft.com/office/drawing/2010/main" xmlns="" w="9525">
                   <a:solidFill>
                     <a:srgbClr val="000000"/>
                   </a:solidFill>
@@ -15086,7 +15096,7 @@
             </a:ln>
             <a:extLst>
               <a:ext uri="{91240B29-F687-4f45-9708-019B960494DF}">
-                <a14:hiddenLine xmlns="" xmlns:a14="http://schemas.microsoft.com/office/drawing/2010/main" w="9525">
+                <a14:hiddenLine xmlns:a14="http://schemas.microsoft.com/office/drawing/2010/main" xmlns="" w="9525">
                   <a:solidFill>
                     <a:srgbClr val="000000"/>
                   </a:solidFill>
@@ -15176,7 +15186,7 @@
             </a:ln>
             <a:extLst>
               <a:ext uri="{91240B29-F687-4f45-9708-019B960494DF}">
-                <a14:hiddenLine xmlns="" xmlns:a14="http://schemas.microsoft.com/office/drawing/2010/main" w="9525">
+                <a14:hiddenLine xmlns:a14="http://schemas.microsoft.com/office/drawing/2010/main" xmlns="" w="9525">
                   <a:solidFill>
                     <a:srgbClr val="000000"/>
                   </a:solidFill>
@@ -15266,7 +15276,7 @@
             </a:ln>
             <a:extLst>
               <a:ext uri="{91240B29-F687-4f45-9708-019B960494DF}">
-                <a14:hiddenLine xmlns="" xmlns:a14="http://schemas.microsoft.com/office/drawing/2010/main" w="9525">
+                <a14:hiddenLine xmlns:a14="http://schemas.microsoft.com/office/drawing/2010/main" xmlns="" w="9525">
                   <a:solidFill>
                     <a:srgbClr val="000000"/>
                   </a:solidFill>
@@ -15331,7 +15341,7 @@
             </a:ln>
             <a:extLst>
               <a:ext uri="{91240B29-F687-4f45-9708-019B960494DF}">
-                <a14:hiddenLine xmlns="" xmlns:a14="http://schemas.microsoft.com/office/drawing/2010/main" w="9525">
+                <a14:hiddenLine xmlns:a14="http://schemas.microsoft.com/office/drawing/2010/main" xmlns="" w="9525">
                   <a:solidFill>
                     <a:srgbClr val="000000"/>
                   </a:solidFill>
@@ -15393,7 +15403,7 @@
             </a:ln>
             <a:extLst>
               <a:ext uri="{91240B29-F687-4f45-9708-019B960494DF}">
-                <a14:hiddenLine xmlns="" xmlns:a14="http://schemas.microsoft.com/office/drawing/2010/main" w="9525">
+                <a14:hiddenLine xmlns:a14="http://schemas.microsoft.com/office/drawing/2010/main" xmlns="" w="9525">
                   <a:solidFill>
                     <a:srgbClr val="000000"/>
                   </a:solidFill>
@@ -15483,7 +15493,7 @@
             </a:ln>
             <a:extLst>
               <a:ext uri="{91240B29-F687-4f45-9708-019B960494DF}">
-                <a14:hiddenLine xmlns="" xmlns:a14="http://schemas.microsoft.com/office/drawing/2010/main" w="9525">
+                <a14:hiddenLine xmlns:a14="http://schemas.microsoft.com/office/drawing/2010/main" xmlns="" w="9525">
                   <a:solidFill>
                     <a:srgbClr val="000000"/>
                   </a:solidFill>
@@ -15573,7 +15583,7 @@
             </a:ln>
             <a:extLst>
               <a:ext uri="{91240B29-F687-4f45-9708-019B960494DF}">
-                <a14:hiddenLine xmlns="" xmlns:a14="http://schemas.microsoft.com/office/drawing/2010/main" w="9525">
+                <a14:hiddenLine xmlns:a14="http://schemas.microsoft.com/office/drawing/2010/main" xmlns="" w="9525">
                   <a:solidFill>
                     <a:srgbClr val="000000"/>
                   </a:solidFill>
@@ -15635,7 +15645,7 @@
             </a:ln>
             <a:extLst>
               <a:ext uri="{91240B29-F687-4f45-9708-019B960494DF}">
-                <a14:hiddenLine xmlns="" xmlns:a14="http://schemas.microsoft.com/office/drawing/2010/main" w="9525">
+                <a14:hiddenLine xmlns:a14="http://schemas.microsoft.com/office/drawing/2010/main" xmlns="" w="9525">
                   <a:solidFill>
                     <a:srgbClr val="000000"/>
                   </a:solidFill>
@@ -15755,7 +15765,7 @@
             </a:ln>
             <a:extLst>
               <a:ext uri="{91240B29-F687-4f45-9708-019B960494DF}">
-                <a14:hiddenLine xmlns="" xmlns:a14="http://schemas.microsoft.com/office/drawing/2010/main" w="9525">
+                <a14:hiddenLine xmlns:a14="http://schemas.microsoft.com/office/drawing/2010/main" xmlns="" w="9525">
                   <a:solidFill>
                     <a:srgbClr val="000000"/>
                   </a:solidFill>
@@ -15823,7 +15833,7 @@
             </a:ln>
             <a:extLst>
               <a:ext uri="{91240B29-F687-4f45-9708-019B960494DF}">
-                <a14:hiddenLine xmlns="" xmlns:a14="http://schemas.microsoft.com/office/drawing/2010/main" w="9525">
+                <a14:hiddenLine xmlns:a14="http://schemas.microsoft.com/office/drawing/2010/main" xmlns="" w="9525">
                   <a:solidFill>
                     <a:srgbClr val="000000"/>
                   </a:solidFill>
@@ -15913,7 +15923,7 @@
             </a:ln>
             <a:extLst>
               <a:ext uri="{91240B29-F687-4f45-9708-019B960494DF}">
-                <a14:hiddenLine xmlns="" xmlns:a14="http://schemas.microsoft.com/office/drawing/2010/main" w="9525">
+                <a14:hiddenLine xmlns:a14="http://schemas.microsoft.com/office/drawing/2010/main" xmlns="" w="9525">
                   <a:solidFill>
                     <a:srgbClr val="000000"/>
                   </a:solidFill>
@@ -16053,7 +16063,7 @@
           <a:p>
             <a:fld id="{B76943AF-B946-47F7-8510-2C710F5C29B5}" type="datetimeFigureOut">
               <a:rPr lang="en-US" smtClean="0"/>
-              <a:t>23-Mar-18</a:t>
+              <a:t>3/24/2018</a:t>
             </a:fld>
             <a:endParaRPr lang="en-US" dirty="0"/>
           </a:p>
@@ -16319,7 +16329,7 @@
           <a:p>
             <a:fld id="{B76943AF-B946-47F7-8510-2C710F5C29B5}" type="datetimeFigureOut">
               <a:rPr lang="en-US" smtClean="0"/>
-              <a:t>23-Mar-18</a:t>
+              <a:t>3/24/2018</a:t>
             </a:fld>
             <a:endParaRPr lang="en-US" dirty="0"/>
           </a:p>
@@ -16515,7 +16525,7 @@
           <a:p>
             <a:fld id="{B76943AF-B946-47F7-8510-2C710F5C29B5}" type="datetimeFigureOut">
               <a:rPr lang="en-US" smtClean="0"/>
-              <a:t>23-Mar-18</a:t>
+              <a:t>3/24/2018</a:t>
             </a:fld>
             <a:endParaRPr lang="en-US" dirty="0"/>
           </a:p>
@@ -16778,7 +16788,7 @@
           <a:p>
             <a:fld id="{B76943AF-B946-47F7-8510-2C710F5C29B5}" type="datetimeFigureOut">
               <a:rPr lang="en-US" smtClean="0"/>
-              <a:t>23-Mar-18</a:t>
+              <a:t>3/24/2018</a:t>
             </a:fld>
             <a:endParaRPr lang="en-US" dirty="0"/>
           </a:p>
@@ -17257,7 +17267,7 @@
           <a:p>
             <a:fld id="{B76943AF-B946-47F7-8510-2C710F5C29B5}" type="datetimeFigureOut">
               <a:rPr lang="en-US" smtClean="0"/>
-              <a:t>23-Mar-18</a:t>
+              <a:t>3/24/2018</a:t>
             </a:fld>
             <a:endParaRPr lang="en-US" dirty="0"/>
           </a:p>
@@ -17803,7 +17813,7 @@
           <a:p>
             <a:fld id="{B76943AF-B946-47F7-8510-2C710F5C29B5}" type="datetimeFigureOut">
               <a:rPr lang="en-US" smtClean="0"/>
-              <a:t>23-Mar-18</a:t>
+              <a:t>3/24/2018</a:t>
             </a:fld>
             <a:endParaRPr lang="en-US" dirty="0"/>
           </a:p>
@@ -18520,7 +18530,7 @@
           <a:p>
             <a:fld id="{B76943AF-B946-47F7-8510-2C710F5C29B5}" type="datetimeFigureOut">
               <a:rPr lang="en-US" smtClean="0"/>
-              <a:t>23-Mar-18</a:t>
+              <a:t>3/24/2018</a:t>
             </a:fld>
             <a:endParaRPr lang="en-US" dirty="0"/>
           </a:p>
@@ -18690,7 +18700,7 @@
           <a:p>
             <a:fld id="{B76943AF-B946-47F7-8510-2C710F5C29B5}" type="datetimeFigureOut">
               <a:rPr lang="en-US" smtClean="0"/>
-              <a:t>23-Mar-18</a:t>
+              <a:t>3/24/2018</a:t>
             </a:fld>
             <a:endParaRPr lang="en-US" dirty="0"/>
           </a:p>
@@ -18870,7 +18880,7 @@
           <a:p>
             <a:fld id="{B76943AF-B946-47F7-8510-2C710F5C29B5}" type="datetimeFigureOut">
               <a:rPr lang="en-US" smtClean="0"/>
-              <a:t>23-Mar-18</a:t>
+              <a:t>3/24/2018</a:t>
             </a:fld>
             <a:endParaRPr lang="en-US" dirty="0"/>
           </a:p>
@@ -19040,7 +19050,7 @@
           <a:p>
             <a:fld id="{B76943AF-B946-47F7-8510-2C710F5C29B5}" type="datetimeFigureOut">
               <a:rPr lang="en-US" smtClean="0"/>
-              <a:t>23-Mar-18</a:t>
+              <a:t>3/24/2018</a:t>
             </a:fld>
             <a:endParaRPr lang="en-US" dirty="0"/>
           </a:p>
@@ -19380,7 +19390,7 @@
           <a:p>
             <a:fld id="{B76943AF-B946-47F7-8510-2C710F5C29B5}" type="datetimeFigureOut">
               <a:rPr lang="en-US" smtClean="0"/>
-              <a:t>23-Mar-18</a:t>
+              <a:t>3/24/2018</a:t>
             </a:fld>
             <a:endParaRPr lang="en-US" dirty="0"/>
           </a:p>
@@ -19612,7 +19622,7 @@
           <a:p>
             <a:fld id="{B76943AF-B946-47F7-8510-2C710F5C29B5}" type="datetimeFigureOut">
               <a:rPr lang="en-US" smtClean="0"/>
-              <a:t>23-Mar-18</a:t>
+              <a:t>3/24/2018</a:t>
             </a:fld>
             <a:endParaRPr lang="en-US" dirty="0"/>
           </a:p>
@@ -19993,7 +20003,7 @@
           <a:p>
             <a:fld id="{B76943AF-B946-47F7-8510-2C710F5C29B5}" type="datetimeFigureOut">
               <a:rPr lang="en-US" smtClean="0"/>
-              <a:t>23-Mar-18</a:t>
+              <a:t>3/24/2018</a:t>
             </a:fld>
             <a:endParaRPr lang="en-US" dirty="0"/>
           </a:p>
@@ -20111,7 +20121,7 @@
           <a:p>
             <a:fld id="{B76943AF-B946-47F7-8510-2C710F5C29B5}" type="datetimeFigureOut">
               <a:rPr lang="en-US" smtClean="0"/>
-              <a:t>23-Mar-18</a:t>
+              <a:t>3/24/2018</a:t>
             </a:fld>
             <a:endParaRPr lang="en-US" dirty="0"/>
           </a:p>
@@ -20206,7 +20216,7 @@
           <a:p>
             <a:fld id="{B76943AF-B946-47F7-8510-2C710F5C29B5}" type="datetimeFigureOut">
               <a:rPr lang="en-US" smtClean="0"/>
-              <a:t>23-Mar-18</a:t>
+              <a:t>3/24/2018</a:t>
             </a:fld>
             <a:endParaRPr lang="en-US" dirty="0"/>
           </a:p>
@@ -20455,7 +20465,7 @@
           <a:p>
             <a:fld id="{B76943AF-B946-47F7-8510-2C710F5C29B5}" type="datetimeFigureOut">
               <a:rPr lang="en-US" smtClean="0"/>
-              <a:t>23-Mar-18</a:t>
+              <a:t>3/24/2018</a:t>
             </a:fld>
             <a:endParaRPr lang="en-US" dirty="0"/>
           </a:p>
@@ -20734,7 +20744,7 @@
           <a:p>
             <a:fld id="{B76943AF-B946-47F7-8510-2C710F5C29B5}" type="datetimeFigureOut">
               <a:rPr lang="en-US" smtClean="0"/>
-              <a:t>23-Mar-18</a:t>
+              <a:t>3/24/2018</a:t>
             </a:fld>
             <a:endParaRPr lang="en-US" dirty="0"/>
           </a:p>
@@ -20893,7 +20903,7 @@
               </a:ln>
               <a:extLst>
                 <a:ext uri="{91240B29-F687-4f45-9708-019B960494DF}">
-                  <a14:hiddenLine xmlns="" xmlns:a14="http://schemas.microsoft.com/office/drawing/2010/main" w="9525">
+                  <a14:hiddenLine xmlns:a14="http://schemas.microsoft.com/office/drawing/2010/main" xmlns="" w="9525">
                     <a:solidFill>
                       <a:srgbClr val="000000"/>
                     </a:solidFill>
@@ -20983,7 +20993,7 @@
               </a:ln>
               <a:extLst>
                 <a:ext uri="{91240B29-F687-4f45-9708-019B960494DF}">
-                  <a14:hiddenLine xmlns="" xmlns:a14="http://schemas.microsoft.com/office/drawing/2010/main" w="9525">
+                  <a14:hiddenLine xmlns:a14="http://schemas.microsoft.com/office/drawing/2010/main" xmlns="" w="9525">
                     <a:solidFill>
                       <a:srgbClr val="000000"/>
                     </a:solidFill>
@@ -21073,7 +21083,7 @@
               </a:ln>
               <a:extLst>
                 <a:ext uri="{91240B29-F687-4f45-9708-019B960494DF}">
-                  <a14:hiddenLine xmlns="" xmlns:a14="http://schemas.microsoft.com/office/drawing/2010/main" w="9525">
+                  <a14:hiddenLine xmlns:a14="http://schemas.microsoft.com/office/drawing/2010/main" xmlns="" w="9525">
                     <a:solidFill>
                       <a:srgbClr val="000000"/>
                     </a:solidFill>
@@ -21135,7 +21145,7 @@
               </a:ln>
               <a:extLst>
                 <a:ext uri="{91240B29-F687-4f45-9708-019B960494DF}">
-                  <a14:hiddenLine xmlns="" xmlns:a14="http://schemas.microsoft.com/office/drawing/2010/main" w="9525">
+                  <a14:hiddenLine xmlns:a14="http://schemas.microsoft.com/office/drawing/2010/main" xmlns="" w="9525">
                     <a:solidFill>
                       <a:srgbClr val="000000"/>
                     </a:solidFill>
@@ -21225,7 +21235,7 @@
               </a:ln>
               <a:extLst>
                 <a:ext uri="{91240B29-F687-4f45-9708-019B960494DF}">
-                  <a14:hiddenLine xmlns="" xmlns:a14="http://schemas.microsoft.com/office/drawing/2010/main" w="9525">
+                  <a14:hiddenLine xmlns:a14="http://schemas.microsoft.com/office/drawing/2010/main" xmlns="" w="9525">
                     <a:solidFill>
                       <a:srgbClr val="000000"/>
                     </a:solidFill>
@@ -21287,7 +21297,7 @@
               </a:ln>
               <a:extLst>
                 <a:ext uri="{91240B29-F687-4f45-9708-019B960494DF}">
-                  <a14:hiddenLine xmlns="" xmlns:a14="http://schemas.microsoft.com/office/drawing/2010/main" w="9525">
+                  <a14:hiddenLine xmlns:a14="http://schemas.microsoft.com/office/drawing/2010/main" xmlns="" w="9525">
                     <a:solidFill>
                       <a:srgbClr val="000000"/>
                     </a:solidFill>
@@ -21349,7 +21359,7 @@
               </a:ln>
               <a:extLst>
                 <a:ext uri="{91240B29-F687-4f45-9708-019B960494DF}">
-                  <a14:hiddenLine xmlns="" xmlns:a14="http://schemas.microsoft.com/office/drawing/2010/main" w="9525">
+                  <a14:hiddenLine xmlns:a14="http://schemas.microsoft.com/office/drawing/2010/main" xmlns="" w="9525">
                     <a:solidFill>
                       <a:srgbClr val="000000"/>
                     </a:solidFill>
@@ -21439,7 +21449,7 @@
               </a:ln>
               <a:extLst>
                 <a:ext uri="{91240B29-F687-4f45-9708-019B960494DF}">
-                  <a14:hiddenLine xmlns="" xmlns:a14="http://schemas.microsoft.com/office/drawing/2010/main" w="9525">
+                  <a14:hiddenLine xmlns:a14="http://schemas.microsoft.com/office/drawing/2010/main" xmlns="" w="9525">
                     <a:solidFill>
                       <a:srgbClr val="000000"/>
                     </a:solidFill>
@@ -21529,7 +21539,7 @@
               </a:ln>
               <a:extLst>
                 <a:ext uri="{91240B29-F687-4f45-9708-019B960494DF}">
-                  <a14:hiddenLine xmlns="" xmlns:a14="http://schemas.microsoft.com/office/drawing/2010/main" w="9525">
+                  <a14:hiddenLine xmlns:a14="http://schemas.microsoft.com/office/drawing/2010/main" xmlns="" w="9525">
                     <a:solidFill>
                       <a:srgbClr val="000000"/>
                     </a:solidFill>
@@ -21591,7 +21601,7 @@
               </a:ln>
               <a:extLst>
                 <a:ext uri="{91240B29-F687-4f45-9708-019B960494DF}">
-                  <a14:hiddenLine xmlns="" xmlns:a14="http://schemas.microsoft.com/office/drawing/2010/main" w="9525">
+                  <a14:hiddenLine xmlns:a14="http://schemas.microsoft.com/office/drawing/2010/main" xmlns="" w="9525">
                     <a:solidFill>
                       <a:srgbClr val="000000"/>
                     </a:solidFill>
@@ -21701,7 +21711,7 @@
               </a:ln>
               <a:extLst>
                 <a:ext uri="{91240B29-F687-4f45-9708-019B960494DF}">
-                  <a14:hiddenLine xmlns="" xmlns:a14="http://schemas.microsoft.com/office/drawing/2010/main" w="9525">
+                  <a14:hiddenLine xmlns:a14="http://schemas.microsoft.com/office/drawing/2010/main" xmlns="" w="9525">
                     <a:solidFill>
                       <a:srgbClr val="000000"/>
                     </a:solidFill>
@@ -21785,7 +21795,7 @@
               </a:ln>
               <a:extLst>
                 <a:ext uri="{91240B29-F687-4f45-9708-019B960494DF}">
-                  <a14:hiddenLine xmlns="" xmlns:a14="http://schemas.microsoft.com/office/drawing/2010/main" w="9525">
+                  <a14:hiddenLine xmlns:a14="http://schemas.microsoft.com/office/drawing/2010/main" xmlns="" w="9525">
                     <a:solidFill>
                       <a:srgbClr val="000000"/>
                     </a:solidFill>
@@ -21847,7 +21857,7 @@
               </a:ln>
               <a:extLst>
                 <a:ext uri="{91240B29-F687-4f45-9708-019B960494DF}">
-                  <a14:hiddenLine xmlns="" xmlns:a14="http://schemas.microsoft.com/office/drawing/2010/main" w="9525">
+                  <a14:hiddenLine xmlns:a14="http://schemas.microsoft.com/office/drawing/2010/main" xmlns="" w="9525">
                     <a:solidFill>
                       <a:srgbClr val="000000"/>
                     </a:solidFill>
@@ -21909,7 +21919,7 @@
               </a:ln>
               <a:extLst>
                 <a:ext uri="{91240B29-F687-4f45-9708-019B960494DF}">
-                  <a14:hiddenLine xmlns="" xmlns:a14="http://schemas.microsoft.com/office/drawing/2010/main" w="9525">
+                  <a14:hiddenLine xmlns:a14="http://schemas.microsoft.com/office/drawing/2010/main" xmlns="" w="9525">
                     <a:solidFill>
                       <a:srgbClr val="000000"/>
                     </a:solidFill>
@@ -21999,7 +22009,7 @@
               </a:ln>
               <a:extLst>
                 <a:ext uri="{91240B29-F687-4f45-9708-019B960494DF}">
-                  <a14:hiddenLine xmlns="" xmlns:a14="http://schemas.microsoft.com/office/drawing/2010/main" w="9525">
+                  <a14:hiddenLine xmlns:a14="http://schemas.microsoft.com/office/drawing/2010/main" xmlns="" w="9525">
                     <a:solidFill>
                       <a:srgbClr val="000000"/>
                     </a:solidFill>
@@ -22033,7 +22043,7 @@
               </a:ln>
               <a:extLst>
                 <a:ext uri="{91240B29-F687-4f45-9708-019B960494DF}">
-                  <a14:hiddenLine xmlns="" xmlns:a14="http://schemas.microsoft.com/office/drawing/2010/main" w="9525">
+                  <a14:hiddenLine xmlns:a14="http://schemas.microsoft.com/office/drawing/2010/main" xmlns="" w="9525">
                     <a:solidFill>
                       <a:srgbClr val="000000"/>
                     </a:solidFill>
@@ -22098,7 +22108,7 @@
               </a:ln>
               <a:extLst>
                 <a:ext uri="{91240B29-F687-4f45-9708-019B960494DF}">
-                  <a14:hiddenLine xmlns="" xmlns:a14="http://schemas.microsoft.com/office/drawing/2010/main" w="9525">
+                  <a14:hiddenLine xmlns:a14="http://schemas.microsoft.com/office/drawing/2010/main" xmlns="" w="9525">
                     <a:solidFill>
                       <a:srgbClr val="000000"/>
                     </a:solidFill>
@@ -22188,7 +22198,7 @@
               </a:ln>
               <a:extLst>
                 <a:ext uri="{91240B29-F687-4f45-9708-019B960494DF}">
-                  <a14:hiddenLine xmlns="" xmlns:a14="http://schemas.microsoft.com/office/drawing/2010/main" w="9525">
+                  <a14:hiddenLine xmlns:a14="http://schemas.microsoft.com/office/drawing/2010/main" xmlns="" w="9525">
                     <a:solidFill>
                       <a:srgbClr val="000000"/>
                     </a:solidFill>
@@ -22250,7 +22260,7 @@
               </a:ln>
               <a:extLst>
                 <a:ext uri="{91240B29-F687-4f45-9708-019B960494DF}">
-                  <a14:hiddenLine xmlns="" xmlns:a14="http://schemas.microsoft.com/office/drawing/2010/main" w="9525">
+                  <a14:hiddenLine xmlns:a14="http://schemas.microsoft.com/office/drawing/2010/main" xmlns="" w="9525">
                     <a:solidFill>
                       <a:srgbClr val="000000"/>
                     </a:solidFill>
@@ -22340,7 +22350,7 @@
               </a:ln>
               <a:extLst>
                 <a:ext uri="{91240B29-F687-4f45-9708-019B960494DF}">
-                  <a14:hiddenLine xmlns="" xmlns:a14="http://schemas.microsoft.com/office/drawing/2010/main" w="9525">
+                  <a14:hiddenLine xmlns:a14="http://schemas.microsoft.com/office/drawing/2010/main" xmlns="" w="9525">
                     <a:solidFill>
                       <a:srgbClr val="000000"/>
                     </a:solidFill>
@@ -22405,7 +22415,7 @@
               </a:ln>
               <a:extLst>
                 <a:ext uri="{91240B29-F687-4f45-9708-019B960494DF}">
-                  <a14:hiddenLine xmlns="" xmlns:a14="http://schemas.microsoft.com/office/drawing/2010/main" w="9525">
+                  <a14:hiddenLine xmlns:a14="http://schemas.microsoft.com/office/drawing/2010/main" xmlns="" w="9525">
                     <a:solidFill>
                       <a:srgbClr val="000000"/>
                     </a:solidFill>
@@ -22467,7 +22477,7 @@
               </a:ln>
               <a:extLst>
                 <a:ext uri="{91240B29-F687-4f45-9708-019B960494DF}">
-                  <a14:hiddenLine xmlns="" xmlns:a14="http://schemas.microsoft.com/office/drawing/2010/main" w="9525">
+                  <a14:hiddenLine xmlns:a14="http://schemas.microsoft.com/office/drawing/2010/main" xmlns="" w="9525">
                     <a:solidFill>
                       <a:srgbClr val="000000"/>
                     </a:solidFill>
@@ -22557,7 +22567,7 @@
               </a:ln>
               <a:extLst>
                 <a:ext uri="{91240B29-F687-4f45-9708-019B960494DF}">
-                  <a14:hiddenLine xmlns="" xmlns:a14="http://schemas.microsoft.com/office/drawing/2010/main" w="9525">
+                  <a14:hiddenLine xmlns:a14="http://schemas.microsoft.com/office/drawing/2010/main" xmlns="" w="9525">
                     <a:solidFill>
                       <a:srgbClr val="000000"/>
                     </a:solidFill>
@@ -22647,7 +22657,7 @@
               </a:ln>
               <a:extLst>
                 <a:ext uri="{91240B29-F687-4f45-9708-019B960494DF}">
-                  <a14:hiddenLine xmlns="" xmlns:a14="http://schemas.microsoft.com/office/drawing/2010/main" w="9525">
+                  <a14:hiddenLine xmlns:a14="http://schemas.microsoft.com/office/drawing/2010/main" xmlns="" w="9525">
                     <a:solidFill>
                       <a:srgbClr val="000000"/>
                     </a:solidFill>
@@ -22712,7 +22722,7 @@
               </a:ln>
               <a:extLst>
                 <a:ext uri="{91240B29-F687-4f45-9708-019B960494DF}">
-                  <a14:hiddenLine xmlns="" xmlns:a14="http://schemas.microsoft.com/office/drawing/2010/main" w="9525">
+                  <a14:hiddenLine xmlns:a14="http://schemas.microsoft.com/office/drawing/2010/main" xmlns="" w="9525">
                     <a:solidFill>
                       <a:srgbClr val="000000"/>
                     </a:solidFill>
@@ -22832,7 +22842,7 @@
               </a:ln>
               <a:extLst>
                 <a:ext uri="{91240B29-F687-4f45-9708-019B960494DF}">
-                  <a14:hiddenLine xmlns="" xmlns:a14="http://schemas.microsoft.com/office/drawing/2010/main" w="9525">
+                  <a14:hiddenLine xmlns:a14="http://schemas.microsoft.com/office/drawing/2010/main" xmlns="" w="9525">
                     <a:solidFill>
                       <a:srgbClr val="000000"/>
                     </a:solidFill>
@@ -22930,7 +22940,7 @@
               </a:ln>
               <a:extLst>
                 <a:ext uri="{91240B29-F687-4f45-9708-019B960494DF}">
-                  <a14:hiddenLine xmlns="" xmlns:a14="http://schemas.microsoft.com/office/drawing/2010/main" w="9525">
+                  <a14:hiddenLine xmlns:a14="http://schemas.microsoft.com/office/drawing/2010/main" xmlns="" w="9525">
                     <a:solidFill>
                       <a:srgbClr val="000000"/>
                     </a:solidFill>
@@ -23045,7 +23055,7 @@
               </a:ln>
               <a:extLst>
                 <a:ext uri="{91240B29-F687-4f45-9708-019B960494DF}">
-                  <a14:hiddenLine xmlns="" xmlns:a14="http://schemas.microsoft.com/office/drawing/2010/main" w="9525">
+                  <a14:hiddenLine xmlns:a14="http://schemas.microsoft.com/office/drawing/2010/main" xmlns="" w="9525">
                     <a:solidFill>
                       <a:srgbClr val="000000"/>
                     </a:solidFill>
@@ -23135,7 +23145,7 @@
               </a:ln>
               <a:extLst>
                 <a:ext uri="{91240B29-F687-4f45-9708-019B960494DF}">
-                  <a14:hiddenLine xmlns="" xmlns:a14="http://schemas.microsoft.com/office/drawing/2010/main" w="9525">
+                  <a14:hiddenLine xmlns:a14="http://schemas.microsoft.com/office/drawing/2010/main" xmlns="" w="9525">
                     <a:solidFill>
                       <a:srgbClr val="000000"/>
                     </a:solidFill>
@@ -23200,7 +23210,7 @@
               </a:ln>
               <a:extLst>
                 <a:ext uri="{91240B29-F687-4f45-9708-019B960494DF}">
-                  <a14:hiddenLine xmlns="" xmlns:a14="http://schemas.microsoft.com/office/drawing/2010/main" w="9525">
+                  <a14:hiddenLine xmlns:a14="http://schemas.microsoft.com/office/drawing/2010/main" xmlns="" w="9525">
                     <a:solidFill>
                       <a:srgbClr val="000000"/>
                     </a:solidFill>
@@ -23290,7 +23300,7 @@
               </a:ln>
               <a:extLst>
                 <a:ext uri="{91240B29-F687-4f45-9708-019B960494DF}">
-                  <a14:hiddenLine xmlns="" xmlns:a14="http://schemas.microsoft.com/office/drawing/2010/main" w="9525">
+                  <a14:hiddenLine xmlns:a14="http://schemas.microsoft.com/office/drawing/2010/main" xmlns="" w="9525">
                     <a:solidFill>
                       <a:srgbClr val="000000"/>
                     </a:solidFill>
@@ -23358,7 +23368,7 @@
               </a:ln>
               <a:extLst>
                 <a:ext uri="{91240B29-F687-4f45-9708-019B960494DF}">
-                  <a14:hiddenLine xmlns="" xmlns:a14="http://schemas.microsoft.com/office/drawing/2010/main" w="9525">
+                  <a14:hiddenLine xmlns:a14="http://schemas.microsoft.com/office/drawing/2010/main" xmlns="" w="9525">
                     <a:solidFill>
                       <a:srgbClr val="000000"/>
                     </a:solidFill>
@@ -23448,7 +23458,7 @@
               </a:ln>
               <a:extLst>
                 <a:ext uri="{91240B29-F687-4f45-9708-019B960494DF}">
-                  <a14:hiddenLine xmlns="" xmlns:a14="http://schemas.microsoft.com/office/drawing/2010/main" w="9525">
+                  <a14:hiddenLine xmlns:a14="http://schemas.microsoft.com/office/drawing/2010/main" xmlns="" w="9525">
                     <a:solidFill>
                       <a:srgbClr val="000000"/>
                     </a:solidFill>
@@ -23516,7 +23526,7 @@
               </a:ln>
               <a:extLst>
                 <a:ext uri="{91240B29-F687-4f45-9708-019B960494DF}">
-                  <a14:hiddenLine xmlns="" xmlns:a14="http://schemas.microsoft.com/office/drawing/2010/main" w="9525">
+                  <a14:hiddenLine xmlns:a14="http://schemas.microsoft.com/office/drawing/2010/main" xmlns="" w="9525">
                     <a:solidFill>
                       <a:srgbClr val="000000"/>
                     </a:solidFill>
@@ -23606,7 +23616,7 @@
               </a:ln>
               <a:extLst>
                 <a:ext uri="{91240B29-F687-4f45-9708-019B960494DF}">
-                  <a14:hiddenLine xmlns="" xmlns:a14="http://schemas.microsoft.com/office/drawing/2010/main" w="9525">
+                  <a14:hiddenLine xmlns:a14="http://schemas.microsoft.com/office/drawing/2010/main" xmlns="" w="9525">
                     <a:solidFill>
                       <a:srgbClr val="000000"/>
                     </a:solidFill>
@@ -23640,7 +23650,7 @@
               </a:ln>
               <a:extLst>
                 <a:ext uri="{91240B29-F687-4f45-9708-019B960494DF}">
-                  <a14:hiddenLine xmlns="" xmlns:a14="http://schemas.microsoft.com/office/drawing/2010/main" w="9525">
+                  <a14:hiddenLine xmlns:a14="http://schemas.microsoft.com/office/drawing/2010/main" xmlns="" w="9525">
                     <a:solidFill>
                       <a:srgbClr val="000000"/>
                     </a:solidFill>
@@ -23780,7 +23790,7 @@
           <a:p>
             <a:fld id="{B76943AF-B946-47F7-8510-2C710F5C29B5}" type="datetimeFigureOut">
               <a:rPr lang="en-US" smtClean="0"/>
-              <a:t>23-Mar-18</a:t>
+              <a:t>3/24/2018</a:t>
             </a:fld>
             <a:endParaRPr lang="en-US" dirty="0"/>
           </a:p>
@@ -29251,6 +29261,141 @@
           <p:cNvPr id="2" name="Title 1">
             <a:extLst>
               <a:ext uri="{FF2B5EF4-FFF2-40B4-BE49-F238E27FC236}">
+                <a16:creationId xmlns:a16="http://schemas.microsoft.com/office/drawing/2014/main" id="{DCC904C0-05DD-4AC7-85C7-49ECB559433D}"/>
+              </a:ext>
+            </a:extLst>
+          </p:cNvPr>
+          <p:cNvSpPr>
+            <a:spLocks noGrp="1"/>
+          </p:cNvSpPr>
+          <p:nvPr>
+            <p:ph type="title"/>
+          </p:nvPr>
+        </p:nvSpPr>
+        <p:spPr>
+          <a:xfrm>
+            <a:off x="1446212" y="609599"/>
+            <a:ext cx="9302752" cy="2748429"/>
+          </a:xfrm>
+        </p:spPr>
+        <p:txBody>
+          <a:bodyPr/>
+          <a:lstStyle/>
+          <a:p>
+            <a:r>
+              <a:rPr lang="en-US" cap="none" dirty="0"/>
+              <a:t>EOS is the blockchain for building commercial scale decentralized applications that are </a:t>
+            </a:r>
+            <a:r>
+              <a:rPr lang="en-US" cap="none" dirty="0">
+                <a:solidFill>
+                  <a:schemeClr val="tx2"/>
+                </a:solidFill>
+              </a:rPr>
+              <a:t>indistinguishable</a:t>
+            </a:r>
+            <a:r>
+              <a:rPr lang="en-US" cap="none" dirty="0"/>
+              <a:t> </a:t>
+            </a:r>
+            <a:r>
+              <a:rPr lang="en-US" cap="none" dirty="0">
+                <a:solidFill>
+                  <a:schemeClr val="tx2"/>
+                </a:solidFill>
+              </a:rPr>
+              <a:t>from centralized alternatives</a:t>
+            </a:r>
+            <a:r>
+              <a:rPr lang="en-US" cap="none" dirty="0"/>
+              <a:t>.</a:t>
+            </a:r>
+          </a:p>
+        </p:txBody>
+      </p:sp>
+      <p:sp>
+        <p:nvSpPr>
+          <p:cNvPr id="3" name="Text Placeholder 2">
+            <a:extLst>
+              <a:ext uri="{FF2B5EF4-FFF2-40B4-BE49-F238E27FC236}">
+                <a16:creationId xmlns:a16="http://schemas.microsoft.com/office/drawing/2014/main" id="{3EA1BABA-F0F9-4F4D-8FFF-D09C4F6FE1E8}"/>
+              </a:ext>
+            </a:extLst>
+          </p:cNvPr>
+          <p:cNvSpPr>
+            <a:spLocks noGrp="1"/>
+          </p:cNvSpPr>
+          <p:nvPr>
+            <p:ph type="body" sz="half" idx="13"/>
+          </p:nvPr>
+        </p:nvSpPr>
+        <p:spPr>
+          <a:xfrm>
+            <a:off x="1443036" y="3358028"/>
+            <a:ext cx="8752299" cy="548968"/>
+          </a:xfrm>
+        </p:spPr>
+        <p:txBody>
+          <a:bodyPr>
+            <a:normAutofit/>
+          </a:bodyPr>
+          <a:lstStyle/>
+          <a:p>
+            <a:r>
+              <a:rPr lang="pl-PL" sz="1600" dirty="0"/>
+              <a:t>Daniel Larimer, CTO of block.one</a:t>
+            </a:r>
+            <a:endParaRPr lang="en-US" sz="1600" dirty="0"/>
+          </a:p>
+        </p:txBody>
+      </p:sp>
+    </p:spTree>
+    <p:extLst>
+      <p:ext uri="{BB962C8B-B14F-4D97-AF65-F5344CB8AC3E}">
+        <p14:creationId xmlns:p14="http://schemas.microsoft.com/office/powerpoint/2010/main" val="3793469434"/>
+      </p:ext>
+    </p:extLst>
+  </p:cSld>
+  <p:clrMapOvr>
+    <a:masterClrMapping/>
+  </p:clrMapOvr>
+  <mc:AlternateContent xmlns:mc="http://schemas.openxmlformats.org/markup-compatibility/2006">
+    <mc:Choice xmlns:p14="http://schemas.microsoft.com/office/powerpoint/2010/main" Requires="p14">
+      <p:transition spd="slow" p14:dur="2500">
+        <p:checker/>
+      </p:transition>
+    </mc:Choice>
+    <mc:Fallback>
+      <p:transition spd="slow">
+        <p:checker/>
+      </p:transition>
+    </mc:Fallback>
+  </mc:AlternateContent>
+</p:sld>
+</file>
+
+<file path=ppt/slides/slide5.xml><?xml version="1.0" encoding="utf-8"?>
+<p:sld xmlns:a="http://schemas.openxmlformats.org/drawingml/2006/main" xmlns:r="http://schemas.openxmlformats.org/officeDocument/2006/relationships" xmlns:p="http://schemas.openxmlformats.org/presentationml/2006/main">
+  <p:cSld>
+    <p:spTree>
+      <p:nvGrpSpPr>
+        <p:cNvPr id="1" name=""/>
+        <p:cNvGrpSpPr/>
+        <p:nvPr/>
+      </p:nvGrpSpPr>
+      <p:grpSpPr>
+        <a:xfrm>
+          <a:off x="0" y="0"/>
+          <a:ext cx="0" cy="0"/>
+          <a:chOff x="0" y="0"/>
+          <a:chExt cx="0" cy="0"/>
+        </a:xfrm>
+      </p:grpSpPr>
+      <p:sp>
+        <p:nvSpPr>
+          <p:cNvPr id="2" name="Title 1">
+            <a:extLst>
+              <a:ext uri="{FF2B5EF4-FFF2-40B4-BE49-F238E27FC236}">
                 <a16:creationId xmlns:a16="http://schemas.microsoft.com/office/drawing/2014/main" id="{56E62370-2827-46F6-B537-BB4DCFBE7ECE}"/>
               </a:ext>
             </a:extLst>
@@ -29534,7 +29679,7 @@
 </p:sld>
 </file>
 
-<file path=ppt/slides/slide5.xml><?xml version="1.0" encoding="utf-8"?>
+<file path=ppt/slides/slide6.xml><?xml version="1.0" encoding="utf-8"?>
 <p:sld xmlns:a="http://schemas.openxmlformats.org/drawingml/2006/main" xmlns:r="http://schemas.openxmlformats.org/officeDocument/2006/relationships" xmlns:p="http://schemas.openxmlformats.org/presentationml/2006/main">
   <p:cSld>
     <p:spTree>
@@ -29843,143 +29988,8 @@
 </p:sld>
 </file>
 
-<file path=ppt/slides/slide6.xml><?xml version="1.0" encoding="utf-8"?>
-<p:sld xmlns:a="http://schemas.openxmlformats.org/drawingml/2006/main" xmlns:r="http://schemas.openxmlformats.org/officeDocument/2006/relationships" xmlns:p="http://schemas.openxmlformats.org/presentationml/2006/main">
-  <p:cSld>
-    <p:spTree>
-      <p:nvGrpSpPr>
-        <p:cNvPr id="1" name=""/>
-        <p:cNvGrpSpPr/>
-        <p:nvPr/>
-      </p:nvGrpSpPr>
-      <p:grpSpPr>
-        <a:xfrm>
-          <a:off x="0" y="0"/>
-          <a:ext cx="0" cy="0"/>
-          <a:chOff x="0" y="0"/>
-          <a:chExt cx="0" cy="0"/>
-        </a:xfrm>
-      </p:grpSpPr>
-      <p:sp>
-        <p:nvSpPr>
-          <p:cNvPr id="2" name="Title 1">
-            <a:extLst>
-              <a:ext uri="{FF2B5EF4-FFF2-40B4-BE49-F238E27FC236}">
-                <a16:creationId xmlns:a16="http://schemas.microsoft.com/office/drawing/2014/main" id="{DCC904C0-05DD-4AC7-85C7-49ECB559433D}"/>
-              </a:ext>
-            </a:extLst>
-          </p:cNvPr>
-          <p:cNvSpPr>
-            <a:spLocks noGrp="1"/>
-          </p:cNvSpPr>
-          <p:nvPr>
-            <p:ph type="title"/>
-          </p:nvPr>
-        </p:nvSpPr>
-        <p:spPr>
-          <a:xfrm>
-            <a:off x="1446212" y="609599"/>
-            <a:ext cx="9302752" cy="2748429"/>
-          </a:xfrm>
-        </p:spPr>
-        <p:txBody>
-          <a:bodyPr/>
-          <a:lstStyle/>
-          <a:p>
-            <a:r>
-              <a:rPr lang="en-US" cap="none" dirty="0"/>
-              <a:t>EOS is the blockchain for building commercial scale decentralized applications that are </a:t>
-            </a:r>
-            <a:r>
-              <a:rPr lang="en-US" cap="none" dirty="0">
-                <a:solidFill>
-                  <a:schemeClr val="tx2"/>
-                </a:solidFill>
-              </a:rPr>
-              <a:t>indistinguishable</a:t>
-            </a:r>
-            <a:r>
-              <a:rPr lang="en-US" cap="none" dirty="0"/>
-              <a:t> </a:t>
-            </a:r>
-            <a:r>
-              <a:rPr lang="en-US" cap="none" dirty="0">
-                <a:solidFill>
-                  <a:schemeClr val="tx2"/>
-                </a:solidFill>
-              </a:rPr>
-              <a:t>from centralized alternatives</a:t>
-            </a:r>
-            <a:r>
-              <a:rPr lang="en-US" cap="none" dirty="0"/>
-              <a:t>.</a:t>
-            </a:r>
-          </a:p>
-        </p:txBody>
-      </p:sp>
-      <p:sp>
-        <p:nvSpPr>
-          <p:cNvPr id="3" name="Text Placeholder 2">
-            <a:extLst>
-              <a:ext uri="{FF2B5EF4-FFF2-40B4-BE49-F238E27FC236}">
-                <a16:creationId xmlns:a16="http://schemas.microsoft.com/office/drawing/2014/main" id="{3EA1BABA-F0F9-4F4D-8FFF-D09C4F6FE1E8}"/>
-              </a:ext>
-            </a:extLst>
-          </p:cNvPr>
-          <p:cNvSpPr>
-            <a:spLocks noGrp="1"/>
-          </p:cNvSpPr>
-          <p:nvPr>
-            <p:ph type="body" sz="half" idx="13"/>
-          </p:nvPr>
-        </p:nvSpPr>
-        <p:spPr>
-          <a:xfrm>
-            <a:off x="1443036" y="3358028"/>
-            <a:ext cx="8752299" cy="548968"/>
-          </a:xfrm>
-        </p:spPr>
-        <p:txBody>
-          <a:bodyPr>
-            <a:normAutofit/>
-          </a:bodyPr>
-          <a:lstStyle/>
-          <a:p>
-            <a:r>
-              <a:rPr lang="pl-PL" sz="1600" dirty="0"/>
-              <a:t>Daniel Larimer, CTO of block.one</a:t>
-            </a:r>
-            <a:endParaRPr lang="en-US" sz="1600" dirty="0"/>
-          </a:p>
-        </p:txBody>
-      </p:sp>
-    </p:spTree>
-    <p:extLst>
-      <p:ext uri="{BB962C8B-B14F-4D97-AF65-F5344CB8AC3E}">
-        <p14:creationId xmlns:p14="http://schemas.microsoft.com/office/powerpoint/2010/main" val="3793469434"/>
-      </p:ext>
-    </p:extLst>
-  </p:cSld>
-  <p:clrMapOvr>
-    <a:masterClrMapping/>
-  </p:clrMapOvr>
-  <mc:AlternateContent xmlns:mc="http://schemas.openxmlformats.org/markup-compatibility/2006" xmlns:p14="http://schemas.microsoft.com/office/powerpoint/2010/main">
-    <mc:Choice Requires="p14">
-      <p:transition spd="slow" p14:dur="2500">
-        <p:checker/>
-      </p:transition>
-    </mc:Choice>
-    <mc:Fallback xmlns="">
-      <p:transition spd="slow">
-        <p:checker/>
-      </p:transition>
-    </mc:Fallback>
-  </mc:AlternateContent>
-</p:sld>
-</file>
-
 <file path=ppt/slides/slide7.xml><?xml version="1.0" encoding="utf-8"?>
-<p:sld xmlns:a="http://schemas.openxmlformats.org/drawingml/2006/main" xmlns:r="http://schemas.openxmlformats.org/officeDocument/2006/relationships" xmlns:p="http://schemas.openxmlformats.org/presentationml/2006/main">
+<p:sld xmlns:a="http://schemas.openxmlformats.org/drawingml/2006/main" xmlns:r="http://schemas.openxmlformats.org/officeDocument/2006/relationships" xmlns:p="http://schemas.openxmlformats.org/presentationml/2006/main" show="0">
   <p:cSld>
     <p:spTree>
       <p:nvGrpSpPr>
@@ -30079,7 +30089,7 @@
 </file>
 
 <file path=ppt/slides/slide8.xml><?xml version="1.0" encoding="utf-8"?>
-<p:sld xmlns:a="http://schemas.openxmlformats.org/drawingml/2006/main" xmlns:r="http://schemas.openxmlformats.org/officeDocument/2006/relationships" xmlns:p="http://schemas.openxmlformats.org/presentationml/2006/main">
+<p:sld xmlns:a="http://schemas.openxmlformats.org/drawingml/2006/main" xmlns:r="http://schemas.openxmlformats.org/officeDocument/2006/relationships" xmlns:p="http://schemas.openxmlformats.org/presentationml/2006/main" show="0">
   <p:cSld>
     <p:spTree>
       <p:nvGrpSpPr>

--- a/eostalk/EOS Talk Szczecin.pptx
+++ b/eostalk/EOS Talk Szczecin.pptx
@@ -10882,7 +10882,7 @@
           <a:p>
             <a:fld id="{6D9EE66E-0075-4EC7-AFEF-A844E5107398}" type="datetimeFigureOut">
               <a:rPr lang="en-US" smtClean="0"/>
-              <a:t>3/24/2018</a:t>
+              <a:t>3/27/2018</a:t>
             </a:fld>
             <a:endParaRPr lang="en-US" dirty="0"/>
           </a:p>
@@ -11897,7 +11897,7 @@
             </a:ln>
             <a:extLst>
               <a:ext uri="{91240B29-F687-4f45-9708-019B960494DF}">
-                <a14:hiddenLine xmlns:a14="http://schemas.microsoft.com/office/drawing/2010/main" xmlns="" w="9525">
+                <a14:hiddenLine xmlns="" xmlns:a14="http://schemas.microsoft.com/office/drawing/2010/main" w="9525">
                   <a:solidFill>
                     <a:srgbClr val="000000"/>
                   </a:solidFill>
@@ -11987,7 +11987,7 @@
             </a:ln>
             <a:extLst>
               <a:ext uri="{91240B29-F687-4f45-9708-019B960494DF}">
-                <a14:hiddenLine xmlns:a14="http://schemas.microsoft.com/office/drawing/2010/main" xmlns="" w="9525">
+                <a14:hiddenLine xmlns="" xmlns:a14="http://schemas.microsoft.com/office/drawing/2010/main" w="9525">
                   <a:solidFill>
                     <a:srgbClr val="000000"/>
                   </a:solidFill>
@@ -12077,7 +12077,7 @@
             </a:ln>
             <a:extLst>
               <a:ext uri="{91240B29-F687-4f45-9708-019B960494DF}">
-                <a14:hiddenLine xmlns:a14="http://schemas.microsoft.com/office/drawing/2010/main" xmlns="" w="9525">
+                <a14:hiddenLine xmlns="" xmlns:a14="http://schemas.microsoft.com/office/drawing/2010/main" w="9525">
                   <a:solidFill>
                     <a:srgbClr val="000000"/>
                   </a:solidFill>
@@ -12111,7 +12111,7 @@
             </a:ln>
             <a:extLst>
               <a:ext uri="{91240B29-F687-4f45-9708-019B960494DF}">
-                <a14:hiddenLine xmlns:a14="http://schemas.microsoft.com/office/drawing/2010/main" xmlns="" w="9525">
+                <a14:hiddenLine xmlns="" xmlns:a14="http://schemas.microsoft.com/office/drawing/2010/main" w="9525">
                   <a:solidFill>
                     <a:srgbClr val="000000"/>
                   </a:solidFill>
@@ -12201,7 +12201,7 @@
             </a:ln>
             <a:extLst>
               <a:ext uri="{91240B29-F687-4f45-9708-019B960494DF}">
-                <a14:hiddenLine xmlns:a14="http://schemas.microsoft.com/office/drawing/2010/main" xmlns="" w="9525">
+                <a14:hiddenLine xmlns="" xmlns:a14="http://schemas.microsoft.com/office/drawing/2010/main" w="9525">
                   <a:solidFill>
                     <a:srgbClr val="000000"/>
                   </a:solidFill>
@@ -12263,7 +12263,7 @@
             </a:ln>
             <a:extLst>
               <a:ext uri="{91240B29-F687-4f45-9708-019B960494DF}">
-                <a14:hiddenLine xmlns:a14="http://schemas.microsoft.com/office/drawing/2010/main" xmlns="" w="9525">
+                <a14:hiddenLine xmlns="" xmlns:a14="http://schemas.microsoft.com/office/drawing/2010/main" w="9525">
                   <a:solidFill>
                     <a:srgbClr val="000000"/>
                   </a:solidFill>
@@ -12325,7 +12325,7 @@
             </a:ln>
             <a:extLst>
               <a:ext uri="{91240B29-F687-4f45-9708-019B960494DF}">
-                <a14:hiddenLine xmlns:a14="http://schemas.microsoft.com/office/drawing/2010/main" xmlns="" w="9525">
+                <a14:hiddenLine xmlns="" xmlns:a14="http://schemas.microsoft.com/office/drawing/2010/main" w="9525">
                   <a:solidFill>
                     <a:srgbClr val="000000"/>
                   </a:solidFill>
@@ -12415,7 +12415,7 @@
             </a:ln>
             <a:extLst>
               <a:ext uri="{91240B29-F687-4f45-9708-019B960494DF}">
-                <a14:hiddenLine xmlns:a14="http://schemas.microsoft.com/office/drawing/2010/main" xmlns="" w="9525">
+                <a14:hiddenLine xmlns="" xmlns:a14="http://schemas.microsoft.com/office/drawing/2010/main" w="9525">
                   <a:solidFill>
                     <a:srgbClr val="000000"/>
                   </a:solidFill>
@@ -12477,7 +12477,7 @@
             </a:ln>
             <a:extLst>
               <a:ext uri="{91240B29-F687-4f45-9708-019B960494DF}">
-                <a14:hiddenLine xmlns:a14="http://schemas.microsoft.com/office/drawing/2010/main" xmlns="" w="9525">
+                <a14:hiddenLine xmlns="" xmlns:a14="http://schemas.microsoft.com/office/drawing/2010/main" w="9525">
                   <a:solidFill>
                     <a:srgbClr val="000000"/>
                   </a:solidFill>
@@ -12539,7 +12539,7 @@
             </a:ln>
             <a:extLst>
               <a:ext uri="{91240B29-F687-4f45-9708-019B960494DF}">
-                <a14:hiddenLine xmlns:a14="http://schemas.microsoft.com/office/drawing/2010/main" xmlns="" w="9525">
+                <a14:hiddenLine xmlns="" xmlns:a14="http://schemas.microsoft.com/office/drawing/2010/main" w="9525">
                   <a:solidFill>
                     <a:srgbClr val="000000"/>
                   </a:solidFill>
@@ -12629,7 +12629,7 @@
             </a:ln>
             <a:extLst>
               <a:ext uri="{91240B29-F687-4f45-9708-019B960494DF}">
-                <a14:hiddenLine xmlns:a14="http://schemas.microsoft.com/office/drawing/2010/main" xmlns="" w="9525">
+                <a14:hiddenLine xmlns="" xmlns:a14="http://schemas.microsoft.com/office/drawing/2010/main" w="9525">
                   <a:solidFill>
                     <a:srgbClr val="000000"/>
                   </a:solidFill>
@@ -12719,7 +12719,7 @@
             </a:ln>
             <a:extLst>
               <a:ext uri="{91240B29-F687-4f45-9708-019B960494DF}">
-                <a14:hiddenLine xmlns:a14="http://schemas.microsoft.com/office/drawing/2010/main" xmlns="" w="9525">
+                <a14:hiddenLine xmlns="" xmlns:a14="http://schemas.microsoft.com/office/drawing/2010/main" w="9525">
                   <a:solidFill>
                     <a:srgbClr val="000000"/>
                   </a:solidFill>
@@ -12781,7 +12781,7 @@
             </a:ln>
             <a:extLst>
               <a:ext uri="{91240B29-F687-4f45-9708-019B960494DF}">
-                <a14:hiddenLine xmlns:a14="http://schemas.microsoft.com/office/drawing/2010/main" xmlns="" w="9525">
+                <a14:hiddenLine xmlns="" xmlns:a14="http://schemas.microsoft.com/office/drawing/2010/main" w="9525">
                   <a:solidFill>
                     <a:srgbClr val="000000"/>
                   </a:solidFill>
@@ -12891,7 +12891,7 @@
             </a:ln>
             <a:extLst>
               <a:ext uri="{91240B29-F687-4f45-9708-019B960494DF}">
-                <a14:hiddenLine xmlns:a14="http://schemas.microsoft.com/office/drawing/2010/main" xmlns="" w="9525">
+                <a14:hiddenLine xmlns="" xmlns:a14="http://schemas.microsoft.com/office/drawing/2010/main" w="9525">
                   <a:solidFill>
                     <a:srgbClr val="000000"/>
                   </a:solidFill>
@@ -12953,7 +12953,7 @@
             </a:ln>
             <a:extLst>
               <a:ext uri="{91240B29-F687-4f45-9708-019B960494DF}">
-                <a14:hiddenLine xmlns:a14="http://schemas.microsoft.com/office/drawing/2010/main" xmlns="" w="9525">
+                <a14:hiddenLine xmlns="" xmlns:a14="http://schemas.microsoft.com/office/drawing/2010/main" w="9525">
                   <a:solidFill>
                     <a:srgbClr val="000000"/>
                   </a:solidFill>
@@ -13043,7 +13043,7 @@
             </a:ln>
             <a:extLst>
               <a:ext uri="{91240B29-F687-4f45-9708-019B960494DF}">
-                <a14:hiddenLine xmlns:a14="http://schemas.microsoft.com/office/drawing/2010/main" xmlns="" w="9525">
+                <a14:hiddenLine xmlns="" xmlns:a14="http://schemas.microsoft.com/office/drawing/2010/main" w="9525">
                   <a:solidFill>
                     <a:srgbClr val="000000"/>
                   </a:solidFill>
@@ -13133,7 +13133,7 @@
             </a:ln>
             <a:extLst>
               <a:ext uri="{91240B29-F687-4f45-9708-019B960494DF}">
-                <a14:hiddenLine xmlns:a14="http://schemas.microsoft.com/office/drawing/2010/main" xmlns="" w="9525">
+                <a14:hiddenLine xmlns="" xmlns:a14="http://schemas.microsoft.com/office/drawing/2010/main" w="9525">
                   <a:solidFill>
                     <a:srgbClr val="000000"/>
                   </a:solidFill>
@@ -13195,7 +13195,7 @@
             </a:ln>
             <a:extLst>
               <a:ext uri="{91240B29-F687-4f45-9708-019B960494DF}">
-                <a14:hiddenLine xmlns:a14="http://schemas.microsoft.com/office/drawing/2010/main" xmlns="" w="9525">
+                <a14:hiddenLine xmlns="" xmlns:a14="http://schemas.microsoft.com/office/drawing/2010/main" w="9525">
                   <a:solidFill>
                     <a:srgbClr val="000000"/>
                   </a:solidFill>
@@ -13285,7 +13285,7 @@
             </a:ln>
             <a:extLst>
               <a:ext uri="{91240B29-F687-4f45-9708-019B960494DF}">
-                <a14:hiddenLine xmlns:a14="http://schemas.microsoft.com/office/drawing/2010/main" xmlns="" w="9525">
+                <a14:hiddenLine xmlns="" xmlns:a14="http://schemas.microsoft.com/office/drawing/2010/main" w="9525">
                   <a:solidFill>
                     <a:srgbClr val="000000"/>
                   </a:solidFill>
@@ -13375,7 +13375,7 @@
             </a:ln>
             <a:extLst>
               <a:ext uri="{91240B29-F687-4f45-9708-019B960494DF}">
-                <a14:hiddenLine xmlns:a14="http://schemas.microsoft.com/office/drawing/2010/main" xmlns="" w="9525">
+                <a14:hiddenLine xmlns="" xmlns:a14="http://schemas.microsoft.com/office/drawing/2010/main" w="9525">
                   <a:solidFill>
                     <a:srgbClr val="000000"/>
                   </a:solidFill>
@@ -13431,7 +13431,7 @@
             </a:ln>
             <a:extLst>
               <a:ext uri="{91240B29-F687-4f45-9708-019B960494DF}">
-                <a14:hiddenLine xmlns:a14="http://schemas.microsoft.com/office/drawing/2010/main" xmlns="" w="9525">
+                <a14:hiddenLine xmlns="" xmlns:a14="http://schemas.microsoft.com/office/drawing/2010/main" w="9525">
                   <a:solidFill>
                     <a:srgbClr val="000000"/>
                   </a:solidFill>
@@ -13521,7 +13521,7 @@
             </a:ln>
             <a:extLst>
               <a:ext uri="{91240B29-F687-4f45-9708-019B960494DF}">
-                <a14:hiddenLine xmlns:a14="http://schemas.microsoft.com/office/drawing/2010/main" xmlns="" w="9525">
+                <a14:hiddenLine xmlns="" xmlns:a14="http://schemas.microsoft.com/office/drawing/2010/main" w="9525">
                   <a:solidFill>
                     <a:srgbClr val="000000"/>
                   </a:solidFill>
@@ -13577,7 +13577,7 @@
             </a:ln>
             <a:extLst>
               <a:ext uri="{91240B29-F687-4f45-9708-019B960494DF}">
-                <a14:hiddenLine xmlns:a14="http://schemas.microsoft.com/office/drawing/2010/main" xmlns="" w="9525">
+                <a14:hiddenLine xmlns="" xmlns:a14="http://schemas.microsoft.com/office/drawing/2010/main" w="9525">
                   <a:solidFill>
                     <a:srgbClr val="000000"/>
                   </a:solidFill>
@@ -13667,7 +13667,7 @@
             </a:ln>
             <a:extLst>
               <a:ext uri="{91240B29-F687-4f45-9708-019B960494DF}">
-                <a14:hiddenLine xmlns:a14="http://schemas.microsoft.com/office/drawing/2010/main" xmlns="" w="9525">
+                <a14:hiddenLine xmlns="" xmlns:a14="http://schemas.microsoft.com/office/drawing/2010/main" w="9525">
                   <a:solidFill>
                     <a:srgbClr val="000000"/>
                   </a:solidFill>
@@ -13735,7 +13735,7 @@
             </a:ln>
             <a:extLst>
               <a:ext uri="{91240B29-F687-4f45-9708-019B960494DF}">
-                <a14:hiddenLine xmlns:a14="http://schemas.microsoft.com/office/drawing/2010/main" xmlns="" w="9525">
+                <a14:hiddenLine xmlns="" xmlns:a14="http://schemas.microsoft.com/office/drawing/2010/main" w="9525">
                   <a:solidFill>
                     <a:srgbClr val="000000"/>
                   </a:solidFill>
@@ -13825,7 +13825,7 @@
             </a:ln>
             <a:extLst>
               <a:ext uri="{91240B29-F687-4f45-9708-019B960494DF}">
-                <a14:hiddenLine xmlns:a14="http://schemas.microsoft.com/office/drawing/2010/main" xmlns="" w="9525">
+                <a14:hiddenLine xmlns="" xmlns:a14="http://schemas.microsoft.com/office/drawing/2010/main" w="9525">
                   <a:solidFill>
                     <a:srgbClr val="000000"/>
                   </a:solidFill>
@@ -13893,7 +13893,7 @@
             </a:ln>
             <a:extLst>
               <a:ext uri="{91240B29-F687-4f45-9708-019B960494DF}">
-                <a14:hiddenLine xmlns:a14="http://schemas.microsoft.com/office/drawing/2010/main" xmlns="" w="9525">
+                <a14:hiddenLine xmlns="" xmlns:a14="http://schemas.microsoft.com/office/drawing/2010/main" w="9525">
                   <a:solidFill>
                     <a:srgbClr val="000000"/>
                   </a:solidFill>
@@ -13983,7 +13983,7 @@
             </a:ln>
             <a:extLst>
               <a:ext uri="{91240B29-F687-4f45-9708-019B960494DF}">
-                <a14:hiddenLine xmlns:a14="http://schemas.microsoft.com/office/drawing/2010/main" xmlns="" w="9525">
+                <a14:hiddenLine xmlns="" xmlns:a14="http://schemas.microsoft.com/office/drawing/2010/main" w="9525">
                   <a:solidFill>
                     <a:srgbClr val="000000"/>
                   </a:solidFill>
@@ -14017,7 +14017,7 @@
             </a:ln>
             <a:extLst>
               <a:ext uri="{91240B29-F687-4f45-9708-019B960494DF}">
-                <a14:hiddenLine xmlns:a14="http://schemas.microsoft.com/office/drawing/2010/main" xmlns="" w="9525">
+                <a14:hiddenLine xmlns="" xmlns:a14="http://schemas.microsoft.com/office/drawing/2010/main" w="9525">
                   <a:solidFill>
                     <a:srgbClr val="000000"/>
                   </a:solidFill>
@@ -14107,7 +14107,7 @@
             </a:ln>
             <a:extLst>
               <a:ext uri="{91240B29-F687-4f45-9708-019B960494DF}">
-                <a14:hiddenLine xmlns:a14="http://schemas.microsoft.com/office/drawing/2010/main" xmlns="" w="9525">
+                <a14:hiddenLine xmlns="" xmlns:a14="http://schemas.microsoft.com/office/drawing/2010/main" w="9525">
                   <a:solidFill>
                     <a:srgbClr val="000000"/>
                   </a:solidFill>
@@ -14169,7 +14169,7 @@
             </a:ln>
             <a:extLst>
               <a:ext uri="{91240B29-F687-4f45-9708-019B960494DF}">
-                <a14:hiddenLine xmlns:a14="http://schemas.microsoft.com/office/drawing/2010/main" xmlns="" w="9525">
+                <a14:hiddenLine xmlns="" xmlns:a14="http://schemas.microsoft.com/office/drawing/2010/main" w="9525">
                   <a:solidFill>
                     <a:srgbClr val="000000"/>
                   </a:solidFill>
@@ -14231,7 +14231,7 @@
             </a:ln>
             <a:extLst>
               <a:ext uri="{91240B29-F687-4f45-9708-019B960494DF}">
-                <a14:hiddenLine xmlns:a14="http://schemas.microsoft.com/office/drawing/2010/main" xmlns="" w="9525">
+                <a14:hiddenLine xmlns="" xmlns:a14="http://schemas.microsoft.com/office/drawing/2010/main" w="9525">
                   <a:solidFill>
                     <a:srgbClr val="000000"/>
                   </a:solidFill>
@@ -14321,7 +14321,7 @@
             </a:ln>
             <a:extLst>
               <a:ext uri="{91240B29-F687-4f45-9708-019B960494DF}">
-                <a14:hiddenLine xmlns:a14="http://schemas.microsoft.com/office/drawing/2010/main" xmlns="" w="9525">
+                <a14:hiddenLine xmlns="" xmlns:a14="http://schemas.microsoft.com/office/drawing/2010/main" w="9525">
                   <a:solidFill>
                     <a:srgbClr val="000000"/>
                   </a:solidFill>
@@ -14389,7 +14389,7 @@
             </a:ln>
             <a:extLst>
               <a:ext uri="{91240B29-F687-4f45-9708-019B960494DF}">
-                <a14:hiddenLine xmlns:a14="http://schemas.microsoft.com/office/drawing/2010/main" xmlns="" w="9525">
+                <a14:hiddenLine xmlns="" xmlns:a14="http://schemas.microsoft.com/office/drawing/2010/main" w="9525">
                   <a:solidFill>
                     <a:srgbClr val="000000"/>
                   </a:solidFill>
@@ -14451,7 +14451,7 @@
             </a:ln>
             <a:extLst>
               <a:ext uri="{91240B29-F687-4f45-9708-019B960494DF}">
-                <a14:hiddenLine xmlns:a14="http://schemas.microsoft.com/office/drawing/2010/main" xmlns="" w="9525">
+                <a14:hiddenLine xmlns="" xmlns:a14="http://schemas.microsoft.com/office/drawing/2010/main" w="9525">
                   <a:solidFill>
                     <a:srgbClr val="000000"/>
                   </a:solidFill>
@@ -14541,7 +14541,7 @@
             </a:ln>
             <a:extLst>
               <a:ext uri="{91240B29-F687-4f45-9708-019B960494DF}">
-                <a14:hiddenLine xmlns:a14="http://schemas.microsoft.com/office/drawing/2010/main" xmlns="" w="9525">
+                <a14:hiddenLine xmlns="" xmlns:a14="http://schemas.microsoft.com/office/drawing/2010/main" w="9525">
                   <a:solidFill>
                     <a:srgbClr val="000000"/>
                   </a:solidFill>
@@ -14603,7 +14603,7 @@
             </a:ln>
             <a:extLst>
               <a:ext uri="{91240B29-F687-4f45-9708-019B960494DF}">
-                <a14:hiddenLine xmlns:a14="http://schemas.microsoft.com/office/drawing/2010/main" xmlns="" w="9525">
+                <a14:hiddenLine xmlns="" xmlns:a14="http://schemas.microsoft.com/office/drawing/2010/main" w="9525">
                   <a:solidFill>
                     <a:srgbClr val="000000"/>
                   </a:solidFill>
@@ -14693,7 +14693,7 @@
             </a:ln>
             <a:extLst>
               <a:ext uri="{91240B29-F687-4f45-9708-019B960494DF}">
-                <a14:hiddenLine xmlns:a14="http://schemas.microsoft.com/office/drawing/2010/main" xmlns="" w="9525">
+                <a14:hiddenLine xmlns="" xmlns:a14="http://schemas.microsoft.com/office/drawing/2010/main" w="9525">
                   <a:solidFill>
                     <a:srgbClr val="000000"/>
                   </a:solidFill>
@@ -14755,7 +14755,7 @@
             </a:ln>
             <a:extLst>
               <a:ext uri="{91240B29-F687-4f45-9708-019B960494DF}">
-                <a14:hiddenLine xmlns:a14="http://schemas.microsoft.com/office/drawing/2010/main" xmlns="" w="9525">
+                <a14:hiddenLine xmlns="" xmlns:a14="http://schemas.microsoft.com/office/drawing/2010/main" w="9525">
                   <a:solidFill>
                     <a:srgbClr val="000000"/>
                   </a:solidFill>
@@ -14845,7 +14845,7 @@
             </a:ln>
             <a:extLst>
               <a:ext uri="{91240B29-F687-4f45-9708-019B960494DF}">
-                <a14:hiddenLine xmlns:a14="http://schemas.microsoft.com/office/drawing/2010/main" xmlns="" w="9525">
+                <a14:hiddenLine xmlns="" xmlns:a14="http://schemas.microsoft.com/office/drawing/2010/main" w="9525">
                   <a:solidFill>
                     <a:srgbClr val="000000"/>
                   </a:solidFill>
@@ -14879,7 +14879,7 @@
             </a:ln>
             <a:extLst>
               <a:ext uri="{91240B29-F687-4f45-9708-019B960494DF}">
-                <a14:hiddenLine xmlns:a14="http://schemas.microsoft.com/office/drawing/2010/main" xmlns="" w="9525">
+                <a14:hiddenLine xmlns="" xmlns:a14="http://schemas.microsoft.com/office/drawing/2010/main" w="9525">
                   <a:solidFill>
                     <a:srgbClr val="000000"/>
                   </a:solidFill>
@@ -14944,7 +14944,7 @@
             </a:ln>
             <a:extLst>
               <a:ext uri="{91240B29-F687-4f45-9708-019B960494DF}">
-                <a14:hiddenLine xmlns:a14="http://schemas.microsoft.com/office/drawing/2010/main" xmlns="" w="9525">
+                <a14:hiddenLine xmlns="" xmlns:a14="http://schemas.microsoft.com/office/drawing/2010/main" w="9525">
                   <a:solidFill>
                     <a:srgbClr val="000000"/>
                   </a:solidFill>
@@ -15034,7 +15034,7 @@
             </a:ln>
             <a:extLst>
               <a:ext uri="{91240B29-F687-4f45-9708-019B960494DF}">
-                <a14:hiddenLine xmlns:a14="http://schemas.microsoft.com/office/drawing/2010/main" xmlns="" w="9525">
+                <a14:hiddenLine xmlns="" xmlns:a14="http://schemas.microsoft.com/office/drawing/2010/main" w="9525">
                   <a:solidFill>
                     <a:srgbClr val="000000"/>
                   </a:solidFill>
@@ -15096,7 +15096,7 @@
             </a:ln>
             <a:extLst>
               <a:ext uri="{91240B29-F687-4f45-9708-019B960494DF}">
-                <a14:hiddenLine xmlns:a14="http://schemas.microsoft.com/office/drawing/2010/main" xmlns="" w="9525">
+                <a14:hiddenLine xmlns="" xmlns:a14="http://schemas.microsoft.com/office/drawing/2010/main" w="9525">
                   <a:solidFill>
                     <a:srgbClr val="000000"/>
                   </a:solidFill>
@@ -15186,7 +15186,7 @@
             </a:ln>
             <a:extLst>
               <a:ext uri="{91240B29-F687-4f45-9708-019B960494DF}">
-                <a14:hiddenLine xmlns:a14="http://schemas.microsoft.com/office/drawing/2010/main" xmlns="" w="9525">
+                <a14:hiddenLine xmlns="" xmlns:a14="http://schemas.microsoft.com/office/drawing/2010/main" w="9525">
                   <a:solidFill>
                     <a:srgbClr val="000000"/>
                   </a:solidFill>
@@ -15276,7 +15276,7 @@
             </a:ln>
             <a:extLst>
               <a:ext uri="{91240B29-F687-4f45-9708-019B960494DF}">
-                <a14:hiddenLine xmlns:a14="http://schemas.microsoft.com/office/drawing/2010/main" xmlns="" w="9525">
+                <a14:hiddenLine xmlns="" xmlns:a14="http://schemas.microsoft.com/office/drawing/2010/main" w="9525">
                   <a:solidFill>
                     <a:srgbClr val="000000"/>
                   </a:solidFill>
@@ -15341,7 +15341,7 @@
             </a:ln>
             <a:extLst>
               <a:ext uri="{91240B29-F687-4f45-9708-019B960494DF}">
-                <a14:hiddenLine xmlns:a14="http://schemas.microsoft.com/office/drawing/2010/main" xmlns="" w="9525">
+                <a14:hiddenLine xmlns="" xmlns:a14="http://schemas.microsoft.com/office/drawing/2010/main" w="9525">
                   <a:solidFill>
                     <a:srgbClr val="000000"/>
                   </a:solidFill>
@@ -15403,7 +15403,7 @@
             </a:ln>
             <a:extLst>
               <a:ext uri="{91240B29-F687-4f45-9708-019B960494DF}">
-                <a14:hiddenLine xmlns:a14="http://schemas.microsoft.com/office/drawing/2010/main" xmlns="" w="9525">
+                <a14:hiddenLine xmlns="" xmlns:a14="http://schemas.microsoft.com/office/drawing/2010/main" w="9525">
                   <a:solidFill>
                     <a:srgbClr val="000000"/>
                   </a:solidFill>
@@ -15493,7 +15493,7 @@
             </a:ln>
             <a:extLst>
               <a:ext uri="{91240B29-F687-4f45-9708-019B960494DF}">
-                <a14:hiddenLine xmlns:a14="http://schemas.microsoft.com/office/drawing/2010/main" xmlns="" w="9525">
+                <a14:hiddenLine xmlns="" xmlns:a14="http://schemas.microsoft.com/office/drawing/2010/main" w="9525">
                   <a:solidFill>
                     <a:srgbClr val="000000"/>
                   </a:solidFill>
@@ -15583,7 +15583,7 @@
             </a:ln>
             <a:extLst>
               <a:ext uri="{91240B29-F687-4f45-9708-019B960494DF}">
-                <a14:hiddenLine xmlns:a14="http://schemas.microsoft.com/office/drawing/2010/main" xmlns="" w="9525">
+                <a14:hiddenLine xmlns="" xmlns:a14="http://schemas.microsoft.com/office/drawing/2010/main" w="9525">
                   <a:solidFill>
                     <a:srgbClr val="000000"/>
                   </a:solidFill>
@@ -15645,7 +15645,7 @@
             </a:ln>
             <a:extLst>
               <a:ext uri="{91240B29-F687-4f45-9708-019B960494DF}">
-                <a14:hiddenLine xmlns:a14="http://schemas.microsoft.com/office/drawing/2010/main" xmlns="" w="9525">
+                <a14:hiddenLine xmlns="" xmlns:a14="http://schemas.microsoft.com/office/drawing/2010/main" w="9525">
                   <a:solidFill>
                     <a:srgbClr val="000000"/>
                   </a:solidFill>
@@ -15765,7 +15765,7 @@
             </a:ln>
             <a:extLst>
               <a:ext uri="{91240B29-F687-4f45-9708-019B960494DF}">
-                <a14:hiddenLine xmlns:a14="http://schemas.microsoft.com/office/drawing/2010/main" xmlns="" w="9525">
+                <a14:hiddenLine xmlns="" xmlns:a14="http://schemas.microsoft.com/office/drawing/2010/main" w="9525">
                   <a:solidFill>
                     <a:srgbClr val="000000"/>
                   </a:solidFill>
@@ -15833,7 +15833,7 @@
             </a:ln>
             <a:extLst>
               <a:ext uri="{91240B29-F687-4f45-9708-019B960494DF}">
-                <a14:hiddenLine xmlns:a14="http://schemas.microsoft.com/office/drawing/2010/main" xmlns="" w="9525">
+                <a14:hiddenLine xmlns="" xmlns:a14="http://schemas.microsoft.com/office/drawing/2010/main" w="9525">
                   <a:solidFill>
                     <a:srgbClr val="000000"/>
                   </a:solidFill>
@@ -15923,7 +15923,7 @@
             </a:ln>
             <a:extLst>
               <a:ext uri="{91240B29-F687-4f45-9708-019B960494DF}">
-                <a14:hiddenLine xmlns:a14="http://schemas.microsoft.com/office/drawing/2010/main" xmlns="" w="9525">
+                <a14:hiddenLine xmlns="" xmlns:a14="http://schemas.microsoft.com/office/drawing/2010/main" w="9525">
                   <a:solidFill>
                     <a:srgbClr val="000000"/>
                   </a:solidFill>
@@ -16063,7 +16063,7 @@
           <a:p>
             <a:fld id="{B76943AF-B946-47F7-8510-2C710F5C29B5}" type="datetimeFigureOut">
               <a:rPr lang="en-US" smtClean="0"/>
-              <a:t>3/24/2018</a:t>
+              <a:t>3/27/2018</a:t>
             </a:fld>
             <a:endParaRPr lang="en-US" dirty="0"/>
           </a:p>
@@ -16329,7 +16329,7 @@
           <a:p>
             <a:fld id="{B76943AF-B946-47F7-8510-2C710F5C29B5}" type="datetimeFigureOut">
               <a:rPr lang="en-US" smtClean="0"/>
-              <a:t>3/24/2018</a:t>
+              <a:t>3/27/2018</a:t>
             </a:fld>
             <a:endParaRPr lang="en-US" dirty="0"/>
           </a:p>
@@ -16525,7 +16525,7 @@
           <a:p>
             <a:fld id="{B76943AF-B946-47F7-8510-2C710F5C29B5}" type="datetimeFigureOut">
               <a:rPr lang="en-US" smtClean="0"/>
-              <a:t>3/24/2018</a:t>
+              <a:t>3/27/2018</a:t>
             </a:fld>
             <a:endParaRPr lang="en-US" dirty="0"/>
           </a:p>
@@ -16788,7 +16788,7 @@
           <a:p>
             <a:fld id="{B76943AF-B946-47F7-8510-2C710F5C29B5}" type="datetimeFigureOut">
               <a:rPr lang="en-US" smtClean="0"/>
-              <a:t>3/24/2018</a:t>
+              <a:t>3/27/2018</a:t>
             </a:fld>
             <a:endParaRPr lang="en-US" dirty="0"/>
           </a:p>
@@ -17267,7 +17267,7 @@
           <a:p>
             <a:fld id="{B76943AF-B946-47F7-8510-2C710F5C29B5}" type="datetimeFigureOut">
               <a:rPr lang="en-US" smtClean="0"/>
-              <a:t>3/24/2018</a:t>
+              <a:t>3/27/2018</a:t>
             </a:fld>
             <a:endParaRPr lang="en-US" dirty="0"/>
           </a:p>
@@ -17813,7 +17813,7 @@
           <a:p>
             <a:fld id="{B76943AF-B946-47F7-8510-2C710F5C29B5}" type="datetimeFigureOut">
               <a:rPr lang="en-US" smtClean="0"/>
-              <a:t>3/24/2018</a:t>
+              <a:t>3/27/2018</a:t>
             </a:fld>
             <a:endParaRPr lang="en-US" dirty="0"/>
           </a:p>
@@ -18530,7 +18530,7 @@
           <a:p>
             <a:fld id="{B76943AF-B946-47F7-8510-2C710F5C29B5}" type="datetimeFigureOut">
               <a:rPr lang="en-US" smtClean="0"/>
-              <a:t>3/24/2018</a:t>
+              <a:t>3/27/2018</a:t>
             </a:fld>
             <a:endParaRPr lang="en-US" dirty="0"/>
           </a:p>
@@ -18700,7 +18700,7 @@
           <a:p>
             <a:fld id="{B76943AF-B946-47F7-8510-2C710F5C29B5}" type="datetimeFigureOut">
               <a:rPr lang="en-US" smtClean="0"/>
-              <a:t>3/24/2018</a:t>
+              <a:t>3/27/2018</a:t>
             </a:fld>
             <a:endParaRPr lang="en-US" dirty="0"/>
           </a:p>
@@ -18880,7 +18880,7 @@
           <a:p>
             <a:fld id="{B76943AF-B946-47F7-8510-2C710F5C29B5}" type="datetimeFigureOut">
               <a:rPr lang="en-US" smtClean="0"/>
-              <a:t>3/24/2018</a:t>
+              <a:t>3/27/2018</a:t>
             </a:fld>
             <a:endParaRPr lang="en-US" dirty="0"/>
           </a:p>
@@ -19050,7 +19050,7 @@
           <a:p>
             <a:fld id="{B76943AF-B946-47F7-8510-2C710F5C29B5}" type="datetimeFigureOut">
               <a:rPr lang="en-US" smtClean="0"/>
-              <a:t>3/24/2018</a:t>
+              <a:t>3/27/2018</a:t>
             </a:fld>
             <a:endParaRPr lang="en-US" dirty="0"/>
           </a:p>
@@ -19390,7 +19390,7 @@
           <a:p>
             <a:fld id="{B76943AF-B946-47F7-8510-2C710F5C29B5}" type="datetimeFigureOut">
               <a:rPr lang="en-US" smtClean="0"/>
-              <a:t>3/24/2018</a:t>
+              <a:t>3/27/2018</a:t>
             </a:fld>
             <a:endParaRPr lang="en-US" dirty="0"/>
           </a:p>
@@ -19622,7 +19622,7 @@
           <a:p>
             <a:fld id="{B76943AF-B946-47F7-8510-2C710F5C29B5}" type="datetimeFigureOut">
               <a:rPr lang="en-US" smtClean="0"/>
-              <a:t>3/24/2018</a:t>
+              <a:t>3/27/2018</a:t>
             </a:fld>
             <a:endParaRPr lang="en-US" dirty="0"/>
           </a:p>
@@ -20003,7 +20003,7 @@
           <a:p>
             <a:fld id="{B76943AF-B946-47F7-8510-2C710F5C29B5}" type="datetimeFigureOut">
               <a:rPr lang="en-US" smtClean="0"/>
-              <a:t>3/24/2018</a:t>
+              <a:t>3/27/2018</a:t>
             </a:fld>
             <a:endParaRPr lang="en-US" dirty="0"/>
           </a:p>
@@ -20121,7 +20121,7 @@
           <a:p>
             <a:fld id="{B76943AF-B946-47F7-8510-2C710F5C29B5}" type="datetimeFigureOut">
               <a:rPr lang="en-US" smtClean="0"/>
-              <a:t>3/24/2018</a:t>
+              <a:t>3/27/2018</a:t>
             </a:fld>
             <a:endParaRPr lang="en-US" dirty="0"/>
           </a:p>
@@ -20216,7 +20216,7 @@
           <a:p>
             <a:fld id="{B76943AF-B946-47F7-8510-2C710F5C29B5}" type="datetimeFigureOut">
               <a:rPr lang="en-US" smtClean="0"/>
-              <a:t>3/24/2018</a:t>
+              <a:t>3/27/2018</a:t>
             </a:fld>
             <a:endParaRPr lang="en-US" dirty="0"/>
           </a:p>
@@ -20465,7 +20465,7 @@
           <a:p>
             <a:fld id="{B76943AF-B946-47F7-8510-2C710F5C29B5}" type="datetimeFigureOut">
               <a:rPr lang="en-US" smtClean="0"/>
-              <a:t>3/24/2018</a:t>
+              <a:t>3/27/2018</a:t>
             </a:fld>
             <a:endParaRPr lang="en-US" dirty="0"/>
           </a:p>
@@ -20744,7 +20744,7 @@
           <a:p>
             <a:fld id="{B76943AF-B946-47F7-8510-2C710F5C29B5}" type="datetimeFigureOut">
               <a:rPr lang="en-US" smtClean="0"/>
-              <a:t>3/24/2018</a:t>
+              <a:t>3/27/2018</a:t>
             </a:fld>
             <a:endParaRPr lang="en-US" dirty="0"/>
           </a:p>
@@ -20903,7 +20903,7 @@
               </a:ln>
               <a:extLst>
                 <a:ext uri="{91240B29-F687-4f45-9708-019B960494DF}">
-                  <a14:hiddenLine xmlns:a14="http://schemas.microsoft.com/office/drawing/2010/main" xmlns="" w="9525">
+                  <a14:hiddenLine xmlns="" xmlns:a14="http://schemas.microsoft.com/office/drawing/2010/main" w="9525">
                     <a:solidFill>
                       <a:srgbClr val="000000"/>
                     </a:solidFill>
@@ -20993,7 +20993,7 @@
               </a:ln>
               <a:extLst>
                 <a:ext uri="{91240B29-F687-4f45-9708-019B960494DF}">
-                  <a14:hiddenLine xmlns:a14="http://schemas.microsoft.com/office/drawing/2010/main" xmlns="" w="9525">
+                  <a14:hiddenLine xmlns="" xmlns:a14="http://schemas.microsoft.com/office/drawing/2010/main" w="9525">
                     <a:solidFill>
                       <a:srgbClr val="000000"/>
                     </a:solidFill>
@@ -21083,7 +21083,7 @@
               </a:ln>
               <a:extLst>
                 <a:ext uri="{91240B29-F687-4f45-9708-019B960494DF}">
-                  <a14:hiddenLine xmlns:a14="http://schemas.microsoft.com/office/drawing/2010/main" xmlns="" w="9525">
+                  <a14:hiddenLine xmlns="" xmlns:a14="http://schemas.microsoft.com/office/drawing/2010/main" w="9525">
                     <a:solidFill>
                       <a:srgbClr val="000000"/>
                     </a:solidFill>
@@ -21145,7 +21145,7 @@
               </a:ln>
               <a:extLst>
                 <a:ext uri="{91240B29-F687-4f45-9708-019B960494DF}">
-                  <a14:hiddenLine xmlns:a14="http://schemas.microsoft.com/office/drawing/2010/main" xmlns="" w="9525">
+                  <a14:hiddenLine xmlns="" xmlns:a14="http://schemas.microsoft.com/office/drawing/2010/main" w="9525">
                     <a:solidFill>
                       <a:srgbClr val="000000"/>
                     </a:solidFill>
@@ -21235,7 +21235,7 @@
               </a:ln>
               <a:extLst>
                 <a:ext uri="{91240B29-F687-4f45-9708-019B960494DF}">
-                  <a14:hiddenLine xmlns:a14="http://schemas.microsoft.com/office/drawing/2010/main" xmlns="" w="9525">
+                  <a14:hiddenLine xmlns="" xmlns:a14="http://schemas.microsoft.com/office/drawing/2010/main" w="9525">
                     <a:solidFill>
                       <a:srgbClr val="000000"/>
                     </a:solidFill>
@@ -21297,7 +21297,7 @@
               </a:ln>
               <a:extLst>
                 <a:ext uri="{91240B29-F687-4f45-9708-019B960494DF}">
-                  <a14:hiddenLine xmlns:a14="http://schemas.microsoft.com/office/drawing/2010/main" xmlns="" w="9525">
+                  <a14:hiddenLine xmlns="" xmlns:a14="http://schemas.microsoft.com/office/drawing/2010/main" w="9525">
                     <a:solidFill>
                       <a:srgbClr val="000000"/>
                     </a:solidFill>
@@ -21359,7 +21359,7 @@
               </a:ln>
               <a:extLst>
                 <a:ext uri="{91240B29-F687-4f45-9708-019B960494DF}">
-                  <a14:hiddenLine xmlns:a14="http://schemas.microsoft.com/office/drawing/2010/main" xmlns="" w="9525">
+                  <a14:hiddenLine xmlns="" xmlns:a14="http://schemas.microsoft.com/office/drawing/2010/main" w="9525">
                     <a:solidFill>
                       <a:srgbClr val="000000"/>
                     </a:solidFill>
@@ -21449,7 +21449,7 @@
               </a:ln>
               <a:extLst>
                 <a:ext uri="{91240B29-F687-4f45-9708-019B960494DF}">
-                  <a14:hiddenLine xmlns:a14="http://schemas.microsoft.com/office/drawing/2010/main" xmlns="" w="9525">
+                  <a14:hiddenLine xmlns="" xmlns:a14="http://schemas.microsoft.com/office/drawing/2010/main" w="9525">
                     <a:solidFill>
                       <a:srgbClr val="000000"/>
                     </a:solidFill>
@@ -21539,7 +21539,7 @@
               </a:ln>
               <a:extLst>
                 <a:ext uri="{91240B29-F687-4f45-9708-019B960494DF}">
-                  <a14:hiddenLine xmlns:a14="http://schemas.microsoft.com/office/drawing/2010/main" xmlns="" w="9525">
+                  <a14:hiddenLine xmlns="" xmlns:a14="http://schemas.microsoft.com/office/drawing/2010/main" w="9525">
                     <a:solidFill>
                       <a:srgbClr val="000000"/>
                     </a:solidFill>
@@ -21601,7 +21601,7 @@
               </a:ln>
               <a:extLst>
                 <a:ext uri="{91240B29-F687-4f45-9708-019B960494DF}">
-                  <a14:hiddenLine xmlns:a14="http://schemas.microsoft.com/office/drawing/2010/main" xmlns="" w="9525">
+                  <a14:hiddenLine xmlns="" xmlns:a14="http://schemas.microsoft.com/office/drawing/2010/main" w="9525">
                     <a:solidFill>
                       <a:srgbClr val="000000"/>
                     </a:solidFill>
@@ -21711,7 +21711,7 @@
               </a:ln>
               <a:extLst>
                 <a:ext uri="{91240B29-F687-4f45-9708-019B960494DF}">
-                  <a14:hiddenLine xmlns:a14="http://schemas.microsoft.com/office/drawing/2010/main" xmlns="" w="9525">
+                  <a14:hiddenLine xmlns="" xmlns:a14="http://schemas.microsoft.com/office/drawing/2010/main" w="9525">
                     <a:solidFill>
                       <a:srgbClr val="000000"/>
                     </a:solidFill>
@@ -21795,7 +21795,7 @@
               </a:ln>
               <a:extLst>
                 <a:ext uri="{91240B29-F687-4f45-9708-019B960494DF}">
-                  <a14:hiddenLine xmlns:a14="http://schemas.microsoft.com/office/drawing/2010/main" xmlns="" w="9525">
+                  <a14:hiddenLine xmlns="" xmlns:a14="http://schemas.microsoft.com/office/drawing/2010/main" w="9525">
                     <a:solidFill>
                       <a:srgbClr val="000000"/>
                     </a:solidFill>
@@ -21857,7 +21857,7 @@
               </a:ln>
               <a:extLst>
                 <a:ext uri="{91240B29-F687-4f45-9708-019B960494DF}">
-                  <a14:hiddenLine xmlns:a14="http://schemas.microsoft.com/office/drawing/2010/main" xmlns="" w="9525">
+                  <a14:hiddenLine xmlns="" xmlns:a14="http://schemas.microsoft.com/office/drawing/2010/main" w="9525">
                     <a:solidFill>
                       <a:srgbClr val="000000"/>
                     </a:solidFill>
@@ -21919,7 +21919,7 @@
               </a:ln>
               <a:extLst>
                 <a:ext uri="{91240B29-F687-4f45-9708-019B960494DF}">
-                  <a14:hiddenLine xmlns:a14="http://schemas.microsoft.com/office/drawing/2010/main" xmlns="" w="9525">
+                  <a14:hiddenLine xmlns="" xmlns:a14="http://schemas.microsoft.com/office/drawing/2010/main" w="9525">
                     <a:solidFill>
                       <a:srgbClr val="000000"/>
                     </a:solidFill>
@@ -22009,7 +22009,7 @@
               </a:ln>
               <a:extLst>
                 <a:ext uri="{91240B29-F687-4f45-9708-019B960494DF}">
-                  <a14:hiddenLine xmlns:a14="http://schemas.microsoft.com/office/drawing/2010/main" xmlns="" w="9525">
+                  <a14:hiddenLine xmlns="" xmlns:a14="http://schemas.microsoft.com/office/drawing/2010/main" w="9525">
                     <a:solidFill>
                       <a:srgbClr val="000000"/>
                     </a:solidFill>
@@ -22043,7 +22043,7 @@
               </a:ln>
               <a:extLst>
                 <a:ext uri="{91240B29-F687-4f45-9708-019B960494DF}">
-                  <a14:hiddenLine xmlns:a14="http://schemas.microsoft.com/office/drawing/2010/main" xmlns="" w="9525">
+                  <a14:hiddenLine xmlns="" xmlns:a14="http://schemas.microsoft.com/office/drawing/2010/main" w="9525">
                     <a:solidFill>
                       <a:srgbClr val="000000"/>
                     </a:solidFill>
@@ -22108,7 +22108,7 @@
               </a:ln>
               <a:extLst>
                 <a:ext uri="{91240B29-F687-4f45-9708-019B960494DF}">
-                  <a14:hiddenLine xmlns:a14="http://schemas.microsoft.com/office/drawing/2010/main" xmlns="" w="9525">
+                  <a14:hiddenLine xmlns="" xmlns:a14="http://schemas.microsoft.com/office/drawing/2010/main" w="9525">
                     <a:solidFill>
                       <a:srgbClr val="000000"/>
                     </a:solidFill>
@@ -22198,7 +22198,7 @@
               </a:ln>
               <a:extLst>
                 <a:ext uri="{91240B29-F687-4f45-9708-019B960494DF}">
-                  <a14:hiddenLine xmlns:a14="http://schemas.microsoft.com/office/drawing/2010/main" xmlns="" w="9525">
+                  <a14:hiddenLine xmlns="" xmlns:a14="http://schemas.microsoft.com/office/drawing/2010/main" w="9525">
                     <a:solidFill>
                       <a:srgbClr val="000000"/>
                     </a:solidFill>
@@ -22260,7 +22260,7 @@
               </a:ln>
               <a:extLst>
                 <a:ext uri="{91240B29-F687-4f45-9708-019B960494DF}">
-                  <a14:hiddenLine xmlns:a14="http://schemas.microsoft.com/office/drawing/2010/main" xmlns="" w="9525">
+                  <a14:hiddenLine xmlns="" xmlns:a14="http://schemas.microsoft.com/office/drawing/2010/main" w="9525">
                     <a:solidFill>
                       <a:srgbClr val="000000"/>
                     </a:solidFill>
@@ -22350,7 +22350,7 @@
               </a:ln>
               <a:extLst>
                 <a:ext uri="{91240B29-F687-4f45-9708-019B960494DF}">
-                  <a14:hiddenLine xmlns:a14="http://schemas.microsoft.com/office/drawing/2010/main" xmlns="" w="9525">
+                  <a14:hiddenLine xmlns="" xmlns:a14="http://schemas.microsoft.com/office/drawing/2010/main" w="9525">
                     <a:solidFill>
                       <a:srgbClr val="000000"/>
                     </a:solidFill>
@@ -22415,7 +22415,7 @@
               </a:ln>
               <a:extLst>
                 <a:ext uri="{91240B29-F687-4f45-9708-019B960494DF}">
-                  <a14:hiddenLine xmlns:a14="http://schemas.microsoft.com/office/drawing/2010/main" xmlns="" w="9525">
+                  <a14:hiddenLine xmlns="" xmlns:a14="http://schemas.microsoft.com/office/drawing/2010/main" w="9525">
                     <a:solidFill>
                       <a:srgbClr val="000000"/>
                     </a:solidFill>
@@ -22477,7 +22477,7 @@
               </a:ln>
               <a:extLst>
                 <a:ext uri="{91240B29-F687-4f45-9708-019B960494DF}">
-                  <a14:hiddenLine xmlns:a14="http://schemas.microsoft.com/office/drawing/2010/main" xmlns="" w="9525">
+                  <a14:hiddenLine xmlns="" xmlns:a14="http://schemas.microsoft.com/office/drawing/2010/main" w="9525">
                     <a:solidFill>
                       <a:srgbClr val="000000"/>
                     </a:solidFill>
@@ -22567,7 +22567,7 @@
               </a:ln>
               <a:extLst>
                 <a:ext uri="{91240B29-F687-4f45-9708-019B960494DF}">
-                  <a14:hiddenLine xmlns:a14="http://schemas.microsoft.com/office/drawing/2010/main" xmlns="" w="9525">
+                  <a14:hiddenLine xmlns="" xmlns:a14="http://schemas.microsoft.com/office/drawing/2010/main" w="9525">
                     <a:solidFill>
                       <a:srgbClr val="000000"/>
                     </a:solidFill>
@@ -22657,7 +22657,7 @@
               </a:ln>
               <a:extLst>
                 <a:ext uri="{91240B29-F687-4f45-9708-019B960494DF}">
-                  <a14:hiddenLine xmlns:a14="http://schemas.microsoft.com/office/drawing/2010/main" xmlns="" w="9525">
+                  <a14:hiddenLine xmlns="" xmlns:a14="http://schemas.microsoft.com/office/drawing/2010/main" w="9525">
                     <a:solidFill>
                       <a:srgbClr val="000000"/>
                     </a:solidFill>
@@ -22722,7 +22722,7 @@
               </a:ln>
               <a:extLst>
                 <a:ext uri="{91240B29-F687-4f45-9708-019B960494DF}">
-                  <a14:hiddenLine xmlns:a14="http://schemas.microsoft.com/office/drawing/2010/main" xmlns="" w="9525">
+                  <a14:hiddenLine xmlns="" xmlns:a14="http://schemas.microsoft.com/office/drawing/2010/main" w="9525">
                     <a:solidFill>
                       <a:srgbClr val="000000"/>
                     </a:solidFill>
@@ -22842,7 +22842,7 @@
               </a:ln>
               <a:extLst>
                 <a:ext uri="{91240B29-F687-4f45-9708-019B960494DF}">
-                  <a14:hiddenLine xmlns:a14="http://schemas.microsoft.com/office/drawing/2010/main" xmlns="" w="9525">
+                  <a14:hiddenLine xmlns="" xmlns:a14="http://schemas.microsoft.com/office/drawing/2010/main" w="9525">
                     <a:solidFill>
                       <a:srgbClr val="000000"/>
                     </a:solidFill>
@@ -22940,7 +22940,7 @@
               </a:ln>
               <a:extLst>
                 <a:ext uri="{91240B29-F687-4f45-9708-019B960494DF}">
-                  <a14:hiddenLine xmlns:a14="http://schemas.microsoft.com/office/drawing/2010/main" xmlns="" w="9525">
+                  <a14:hiddenLine xmlns="" xmlns:a14="http://schemas.microsoft.com/office/drawing/2010/main" w="9525">
                     <a:solidFill>
                       <a:srgbClr val="000000"/>
                     </a:solidFill>
@@ -23055,7 +23055,7 @@
               </a:ln>
               <a:extLst>
                 <a:ext uri="{91240B29-F687-4f45-9708-019B960494DF}">
-                  <a14:hiddenLine xmlns:a14="http://schemas.microsoft.com/office/drawing/2010/main" xmlns="" w="9525">
+                  <a14:hiddenLine xmlns="" xmlns:a14="http://schemas.microsoft.com/office/drawing/2010/main" w="9525">
                     <a:solidFill>
                       <a:srgbClr val="000000"/>
                     </a:solidFill>
@@ -23145,7 +23145,7 @@
               </a:ln>
               <a:extLst>
                 <a:ext uri="{91240B29-F687-4f45-9708-019B960494DF}">
-                  <a14:hiddenLine xmlns:a14="http://schemas.microsoft.com/office/drawing/2010/main" xmlns="" w="9525">
+                  <a14:hiddenLine xmlns="" xmlns:a14="http://schemas.microsoft.com/office/drawing/2010/main" w="9525">
                     <a:solidFill>
                       <a:srgbClr val="000000"/>
                     </a:solidFill>
@@ -23210,7 +23210,7 @@
               </a:ln>
               <a:extLst>
                 <a:ext uri="{91240B29-F687-4f45-9708-019B960494DF}">
-                  <a14:hiddenLine xmlns:a14="http://schemas.microsoft.com/office/drawing/2010/main" xmlns="" w="9525">
+                  <a14:hiddenLine xmlns="" xmlns:a14="http://schemas.microsoft.com/office/drawing/2010/main" w="9525">
                     <a:solidFill>
                       <a:srgbClr val="000000"/>
                     </a:solidFill>
@@ -23300,7 +23300,7 @@
               </a:ln>
               <a:extLst>
                 <a:ext uri="{91240B29-F687-4f45-9708-019B960494DF}">
-                  <a14:hiddenLine xmlns:a14="http://schemas.microsoft.com/office/drawing/2010/main" xmlns="" w="9525">
+                  <a14:hiddenLine xmlns="" xmlns:a14="http://schemas.microsoft.com/office/drawing/2010/main" w="9525">
                     <a:solidFill>
                       <a:srgbClr val="000000"/>
                     </a:solidFill>
@@ -23368,7 +23368,7 @@
               </a:ln>
               <a:extLst>
                 <a:ext uri="{91240B29-F687-4f45-9708-019B960494DF}">
-                  <a14:hiddenLine xmlns:a14="http://schemas.microsoft.com/office/drawing/2010/main" xmlns="" w="9525">
+                  <a14:hiddenLine xmlns="" xmlns:a14="http://schemas.microsoft.com/office/drawing/2010/main" w="9525">
                     <a:solidFill>
                       <a:srgbClr val="000000"/>
                     </a:solidFill>
@@ -23458,7 +23458,7 @@
               </a:ln>
               <a:extLst>
                 <a:ext uri="{91240B29-F687-4f45-9708-019B960494DF}">
-                  <a14:hiddenLine xmlns:a14="http://schemas.microsoft.com/office/drawing/2010/main" xmlns="" w="9525">
+                  <a14:hiddenLine xmlns="" xmlns:a14="http://schemas.microsoft.com/office/drawing/2010/main" w="9525">
                     <a:solidFill>
                       <a:srgbClr val="000000"/>
                     </a:solidFill>
@@ -23526,7 +23526,7 @@
               </a:ln>
               <a:extLst>
                 <a:ext uri="{91240B29-F687-4f45-9708-019B960494DF}">
-                  <a14:hiddenLine xmlns:a14="http://schemas.microsoft.com/office/drawing/2010/main" xmlns="" w="9525">
+                  <a14:hiddenLine xmlns="" xmlns:a14="http://schemas.microsoft.com/office/drawing/2010/main" w="9525">
                     <a:solidFill>
                       <a:srgbClr val="000000"/>
                     </a:solidFill>
@@ -23616,7 +23616,7 @@
               </a:ln>
               <a:extLst>
                 <a:ext uri="{91240B29-F687-4f45-9708-019B960494DF}">
-                  <a14:hiddenLine xmlns:a14="http://schemas.microsoft.com/office/drawing/2010/main" xmlns="" w="9525">
+                  <a14:hiddenLine xmlns="" xmlns:a14="http://schemas.microsoft.com/office/drawing/2010/main" w="9525">
                     <a:solidFill>
                       <a:srgbClr val="000000"/>
                     </a:solidFill>
@@ -23650,7 +23650,7 @@
               </a:ln>
               <a:extLst>
                 <a:ext uri="{91240B29-F687-4f45-9708-019B960494DF}">
-                  <a14:hiddenLine xmlns:a14="http://schemas.microsoft.com/office/drawing/2010/main" xmlns="" w="9525">
+                  <a14:hiddenLine xmlns="" xmlns:a14="http://schemas.microsoft.com/office/drawing/2010/main" w="9525">
                     <a:solidFill>
                       <a:srgbClr val="000000"/>
                     </a:solidFill>
@@ -23790,7 +23790,7 @@
           <a:p>
             <a:fld id="{B76943AF-B946-47F7-8510-2C710F5C29B5}" type="datetimeFigureOut">
               <a:rPr lang="en-US" smtClean="0"/>
-              <a:t>3/24/2018</a:t>
+              <a:t>3/27/2018</a:t>
             </a:fld>
             <a:endParaRPr lang="en-US" dirty="0"/>
           </a:p>
@@ -27579,9 +27579,18 @@
   <p:clrMapOvr>
     <a:masterClrMapping/>
   </p:clrMapOvr>
-  <p:transition spd="slow">
-    <p:randomBar dir="vert"/>
-  </p:transition>
+  <mc:AlternateContent xmlns:mc="http://schemas.openxmlformats.org/markup-compatibility/2006">
+    <mc:Choice xmlns:p14="http://schemas.microsoft.com/office/powerpoint/2010/main" Requires="p14">
+      <p:transition spd="slow" p14:dur="2500">
+        <p:checker/>
+      </p:transition>
+    </mc:Choice>
+    <mc:Fallback>
+      <p:transition spd="slow">
+        <p:checker/>
+      </p:transition>
+    </mc:Fallback>
+  </mc:AlternateContent>
   <p:timing>
     <p:tnLst>
       <p:par>
@@ -28273,7 +28282,7 @@
         </p:blipFill>
         <p:spPr>
           <a:xfrm>
-            <a:off x="7460455" y="3027329"/>
+            <a:off x="7460455" y="2963321"/>
             <a:ext cx="2128633" cy="228631"/>
           </a:xfrm>
           <a:prstGeom prst="rect">
@@ -28927,9 +28936,18 @@
   <p:clrMapOvr>
     <a:masterClrMapping/>
   </p:clrMapOvr>
-  <p:transition spd="slow">
-    <p:randomBar dir="vert"/>
-  </p:transition>
+  <mc:AlternateContent xmlns:mc="http://schemas.openxmlformats.org/markup-compatibility/2006">
+    <mc:Choice xmlns:p14="http://schemas.microsoft.com/office/powerpoint/2010/main" Requires="p14">
+      <p:transition spd="slow" p14:dur="2500">
+        <p:checker/>
+      </p:transition>
+    </mc:Choice>
+    <mc:Fallback>
+      <p:transition spd="slow">
+        <p:checker/>
+      </p:transition>
+    </mc:Fallback>
+  </mc:AlternateContent>
   <p:timing>
     <p:tnLst>
       <p:par>
@@ -29359,18 +29377,9 @@
   <p:clrMapOvr>
     <a:masterClrMapping/>
   </p:clrMapOvr>
-  <mc:AlternateContent xmlns:mc="http://schemas.openxmlformats.org/markup-compatibility/2006">
-    <mc:Choice xmlns:p14="http://schemas.microsoft.com/office/powerpoint/2010/main" Requires="p14">
-      <p:transition spd="slow" p14:dur="2500">
-        <p:checker/>
-      </p:transition>
-    </mc:Choice>
-    <mc:Fallback>
-      <p:transition spd="slow">
-        <p:checker/>
-      </p:transition>
-    </mc:Fallback>
-  </mc:AlternateContent>
+  <p:transition spd="slow">
+    <p:randomBar dir="vert"/>
+  </p:transition>
 </p:sld>
 </file>
 
